--- a/meeting/2023-10-17/17-10-2023.pptx
+++ b/meeting/2023-10-17/17-10-2023.pptx
@@ -16,6 +16,7 @@
     <p:sldId id="268" r:id="rId10"/>
     <p:sldId id="269" r:id="rId11"/>
     <p:sldId id="270" r:id="rId12"/>
+    <p:sldId id="271" r:id="rId13"/>
   </p:sldIdLst>
   <p:sldSz cx="12192000" cy="6858000"/>
   <p:notesSz cx="6858000" cy="9144000"/>
@@ -114,6 +115,11 @@
       </a:defRPr>
     </a:lvl9pPr>
   </p:defaultTextStyle>
+  <p:extLst>
+    <p:ext uri="{EFAFB233-063F-42B5-8137-9DF3F51BA10A}">
+      <p15:sldGuideLst xmlns:p15="http://schemas.microsoft.com/office/powerpoint/2012/main"/>
+    </p:ext>
+  </p:extLst>
 </p:presentation>
 </file>
 
@@ -266,7 +272,7 @@
           <a:p>
             <a:fld id="{BF2A7562-D2FF-4F86-B3AC-50CE3717B223}" type="datetimeFigureOut">
               <a:rPr lang="en-CH" smtClean="0"/>
-              <a:t>17/10/2023</a:t>
+              <a:t>13/11/2023</a:t>
             </a:fld>
             <a:endParaRPr lang="en-CH"/>
           </a:p>
@@ -466,7 +472,7 @@
           <a:p>
             <a:fld id="{BF2A7562-D2FF-4F86-B3AC-50CE3717B223}" type="datetimeFigureOut">
               <a:rPr lang="en-CH" smtClean="0"/>
-              <a:t>17/10/2023</a:t>
+              <a:t>13/11/2023</a:t>
             </a:fld>
             <a:endParaRPr lang="en-CH"/>
           </a:p>
@@ -676,7 +682,7 @@
           <a:p>
             <a:fld id="{BF2A7562-D2FF-4F86-B3AC-50CE3717B223}" type="datetimeFigureOut">
               <a:rPr lang="en-CH" smtClean="0"/>
-              <a:t>17/10/2023</a:t>
+              <a:t>13/11/2023</a:t>
             </a:fld>
             <a:endParaRPr lang="en-CH"/>
           </a:p>
@@ -876,7 +882,7 @@
           <a:p>
             <a:fld id="{BF2A7562-D2FF-4F86-B3AC-50CE3717B223}" type="datetimeFigureOut">
               <a:rPr lang="en-CH" smtClean="0"/>
-              <a:t>17/10/2023</a:t>
+              <a:t>13/11/2023</a:t>
             </a:fld>
             <a:endParaRPr lang="en-CH"/>
           </a:p>
@@ -1152,7 +1158,7 @@
           <a:p>
             <a:fld id="{BF2A7562-D2FF-4F86-B3AC-50CE3717B223}" type="datetimeFigureOut">
               <a:rPr lang="en-CH" smtClean="0"/>
-              <a:t>17/10/2023</a:t>
+              <a:t>13/11/2023</a:t>
             </a:fld>
             <a:endParaRPr lang="en-CH"/>
           </a:p>
@@ -1420,7 +1426,7 @@
           <a:p>
             <a:fld id="{BF2A7562-D2FF-4F86-B3AC-50CE3717B223}" type="datetimeFigureOut">
               <a:rPr lang="en-CH" smtClean="0"/>
-              <a:t>17/10/2023</a:t>
+              <a:t>13/11/2023</a:t>
             </a:fld>
             <a:endParaRPr lang="en-CH"/>
           </a:p>
@@ -1835,7 +1841,7 @@
           <a:p>
             <a:fld id="{BF2A7562-D2FF-4F86-B3AC-50CE3717B223}" type="datetimeFigureOut">
               <a:rPr lang="en-CH" smtClean="0"/>
-              <a:t>17/10/2023</a:t>
+              <a:t>13/11/2023</a:t>
             </a:fld>
             <a:endParaRPr lang="en-CH"/>
           </a:p>
@@ -1977,7 +1983,7 @@
           <a:p>
             <a:fld id="{BF2A7562-D2FF-4F86-B3AC-50CE3717B223}" type="datetimeFigureOut">
               <a:rPr lang="en-CH" smtClean="0"/>
-              <a:t>17/10/2023</a:t>
+              <a:t>13/11/2023</a:t>
             </a:fld>
             <a:endParaRPr lang="en-CH"/>
           </a:p>
@@ -2090,7 +2096,7 @@
           <a:p>
             <a:fld id="{BF2A7562-D2FF-4F86-B3AC-50CE3717B223}" type="datetimeFigureOut">
               <a:rPr lang="en-CH" smtClean="0"/>
-              <a:t>17/10/2023</a:t>
+              <a:t>13/11/2023</a:t>
             </a:fld>
             <a:endParaRPr lang="en-CH"/>
           </a:p>
@@ -2403,7 +2409,7 @@
           <a:p>
             <a:fld id="{BF2A7562-D2FF-4F86-B3AC-50CE3717B223}" type="datetimeFigureOut">
               <a:rPr lang="en-CH" smtClean="0"/>
-              <a:t>17/10/2023</a:t>
+              <a:t>13/11/2023</a:t>
             </a:fld>
             <a:endParaRPr lang="en-CH"/>
           </a:p>
@@ -2692,7 +2698,7 @@
           <a:p>
             <a:fld id="{BF2A7562-D2FF-4F86-B3AC-50CE3717B223}" type="datetimeFigureOut">
               <a:rPr lang="en-CH" smtClean="0"/>
-              <a:t>17/10/2023</a:t>
+              <a:t>13/11/2023</a:t>
             </a:fld>
             <a:endParaRPr lang="en-CH"/>
           </a:p>
@@ -2935,7 +2941,7 @@
           <a:p>
             <a:fld id="{BF2A7562-D2FF-4F86-B3AC-50CE3717B223}" type="datetimeFigureOut">
               <a:rPr lang="en-CH" smtClean="0"/>
-              <a:t>17/10/2023</a:t>
+              <a:t>13/11/2023</a:t>
             </a:fld>
             <a:endParaRPr lang="en-CH"/>
           </a:p>
@@ -3615,60 +3621,4235 @@
           <a:chExt cx="0" cy="0"/>
         </a:xfrm>
       </p:grpSpPr>
-      <p:sp>
-        <p:nvSpPr>
-          <p:cNvPr id="2" name="标题 1">
-            <a:extLst>
-              <a:ext uri="{FF2B5EF4-FFF2-40B4-BE49-F238E27FC236}">
-                <a16:creationId xmlns:a16="http://schemas.microsoft.com/office/drawing/2014/main" id="{87296E3F-105A-2BC4-64A8-77D9B5641589}"/>
-              </a:ext>
-            </a:extLst>
-          </p:cNvPr>
-          <p:cNvSpPr>
-            <a:spLocks noGrp="1"/>
-          </p:cNvSpPr>
-          <p:nvPr>
-            <p:ph type="title"/>
-          </p:nvPr>
-        </p:nvSpPr>
-        <p:spPr/>
-        <p:txBody>
-          <a:bodyPr/>
-          <a:lstStyle/>
-          <a:p>
-            <a:endParaRPr lang="en-CH"/>
-          </a:p>
-        </p:txBody>
-      </p:sp>
-      <p:sp>
-        <p:nvSpPr>
-          <p:cNvPr id="3" name="内容占位符 2">
-            <a:extLst>
-              <a:ext uri="{FF2B5EF4-FFF2-40B4-BE49-F238E27FC236}">
-                <a16:creationId xmlns:a16="http://schemas.microsoft.com/office/drawing/2014/main" id="{B48518C9-5A49-5479-C147-E181A3D6C0F0}"/>
-              </a:ext>
-            </a:extLst>
-          </p:cNvPr>
-          <p:cNvSpPr>
-            <a:spLocks noGrp="1"/>
-          </p:cNvSpPr>
-          <p:nvPr>
-            <p:ph idx="1"/>
-          </p:nvPr>
-        </p:nvSpPr>
-        <p:spPr/>
-        <p:txBody>
-          <a:bodyPr/>
-          <a:lstStyle/>
-          <a:p>
-            <a:endParaRPr lang="en-CH"/>
-          </a:p>
-        </p:txBody>
-      </p:sp>
+      <p:grpSp>
+        <p:nvGrpSpPr>
+          <p:cNvPr id="71" name="组合 70">
+            <a:extLst>
+              <a:ext uri="{FF2B5EF4-FFF2-40B4-BE49-F238E27FC236}">
+                <a16:creationId xmlns:a16="http://schemas.microsoft.com/office/drawing/2014/main" id="{65088405-C805-4BD0-CBB9-F115122892D6}"/>
+              </a:ext>
+            </a:extLst>
+          </p:cNvPr>
+          <p:cNvGrpSpPr/>
+          <p:nvPr/>
+        </p:nvGrpSpPr>
+        <p:grpSpPr>
+          <a:xfrm>
+            <a:off x="726461" y="1341619"/>
+            <a:ext cx="10739078" cy="3948309"/>
+            <a:chOff x="1922746" y="2717310"/>
+            <a:chExt cx="8568994" cy="3127255"/>
+          </a:xfrm>
+        </p:grpSpPr>
+        <p:sp>
+          <p:nvSpPr>
+            <p:cNvPr id="4" name="矩形 3">
+              <a:extLst>
+                <a:ext uri="{FF2B5EF4-FFF2-40B4-BE49-F238E27FC236}">
+                  <a16:creationId xmlns:a16="http://schemas.microsoft.com/office/drawing/2014/main" id="{5E878045-203C-11BF-72D2-EFF9D506745F}"/>
+                </a:ext>
+              </a:extLst>
+            </p:cNvPr>
+            <p:cNvSpPr/>
+            <p:nvPr/>
+          </p:nvSpPr>
+          <p:spPr>
+            <a:xfrm>
+              <a:off x="1922746" y="2968016"/>
+              <a:ext cx="942975" cy="952500"/>
+            </a:xfrm>
+            <a:prstGeom prst="rect">
+              <a:avLst/>
+            </a:prstGeom>
+            <a:solidFill>
+              <a:schemeClr val="accent1">
+                <a:lumMod val="20000"/>
+                <a:lumOff val="80000"/>
+              </a:schemeClr>
+            </a:solidFill>
+            <a:ln>
+              <a:solidFill>
+                <a:schemeClr val="tx1"/>
+              </a:solidFill>
+            </a:ln>
+          </p:spPr>
+          <p:style>
+            <a:lnRef idx="2">
+              <a:schemeClr val="dk1"/>
+            </a:lnRef>
+            <a:fillRef idx="1">
+              <a:schemeClr val="lt1"/>
+            </a:fillRef>
+            <a:effectRef idx="0">
+              <a:schemeClr val="dk1"/>
+            </a:effectRef>
+            <a:fontRef idx="minor">
+              <a:schemeClr val="dk1"/>
+            </a:fontRef>
+          </p:style>
+          <p:txBody>
+            <a:bodyPr rtlCol="0" anchor="ctr"/>
+            <a:lstStyle/>
+            <a:p>
+              <a:pPr algn="ctr"/>
+              <a:endParaRPr lang="en-CH"/>
+            </a:p>
+          </p:txBody>
+        </p:sp>
+        <p:sp>
+          <p:nvSpPr>
+            <p:cNvPr id="5" name="矩形 4">
+              <a:extLst>
+                <a:ext uri="{FF2B5EF4-FFF2-40B4-BE49-F238E27FC236}">
+                  <a16:creationId xmlns:a16="http://schemas.microsoft.com/office/drawing/2014/main" id="{B2389837-1B51-F1E9-9E24-010B9C287BE9}"/>
+                </a:ext>
+              </a:extLst>
+            </p:cNvPr>
+            <p:cNvSpPr/>
+            <p:nvPr/>
+          </p:nvSpPr>
+          <p:spPr>
+            <a:xfrm>
+              <a:off x="2865721" y="2968016"/>
+              <a:ext cx="942975" cy="952500"/>
+            </a:xfrm>
+            <a:prstGeom prst="rect">
+              <a:avLst/>
+            </a:prstGeom>
+            <a:solidFill>
+              <a:schemeClr val="accent1">
+                <a:lumMod val="20000"/>
+                <a:lumOff val="80000"/>
+              </a:schemeClr>
+            </a:solidFill>
+            <a:ln>
+              <a:solidFill>
+                <a:schemeClr val="tx1"/>
+              </a:solidFill>
+            </a:ln>
+          </p:spPr>
+          <p:style>
+            <a:lnRef idx="2">
+              <a:schemeClr val="dk1"/>
+            </a:lnRef>
+            <a:fillRef idx="1">
+              <a:schemeClr val="lt1"/>
+            </a:fillRef>
+            <a:effectRef idx="0">
+              <a:schemeClr val="dk1"/>
+            </a:effectRef>
+            <a:fontRef idx="minor">
+              <a:schemeClr val="dk1"/>
+            </a:fontRef>
+          </p:style>
+          <p:txBody>
+            <a:bodyPr rtlCol="0" anchor="ctr"/>
+            <a:lstStyle/>
+            <a:p>
+              <a:pPr algn="ctr"/>
+              <a:endParaRPr lang="en-CH"/>
+            </a:p>
+          </p:txBody>
+        </p:sp>
+        <p:sp>
+          <p:nvSpPr>
+            <p:cNvPr id="6" name="矩形 5">
+              <a:extLst>
+                <a:ext uri="{FF2B5EF4-FFF2-40B4-BE49-F238E27FC236}">
+                  <a16:creationId xmlns:a16="http://schemas.microsoft.com/office/drawing/2014/main" id="{CA5C4C7D-6461-9B82-03BA-EC19170C10A1}"/>
+                </a:ext>
+              </a:extLst>
+            </p:cNvPr>
+            <p:cNvSpPr/>
+            <p:nvPr/>
+          </p:nvSpPr>
+          <p:spPr>
+            <a:xfrm>
+              <a:off x="3808696" y="2968016"/>
+              <a:ext cx="942975" cy="952500"/>
+            </a:xfrm>
+            <a:prstGeom prst="rect">
+              <a:avLst/>
+            </a:prstGeom>
+            <a:solidFill>
+              <a:schemeClr val="accent1">
+                <a:lumMod val="20000"/>
+                <a:lumOff val="80000"/>
+              </a:schemeClr>
+            </a:solidFill>
+            <a:ln>
+              <a:solidFill>
+                <a:schemeClr val="tx1"/>
+              </a:solidFill>
+            </a:ln>
+          </p:spPr>
+          <p:style>
+            <a:lnRef idx="2">
+              <a:schemeClr val="dk1"/>
+            </a:lnRef>
+            <a:fillRef idx="1">
+              <a:schemeClr val="lt1"/>
+            </a:fillRef>
+            <a:effectRef idx="0">
+              <a:schemeClr val="dk1"/>
+            </a:effectRef>
+            <a:fontRef idx="minor">
+              <a:schemeClr val="dk1"/>
+            </a:fontRef>
+          </p:style>
+          <p:txBody>
+            <a:bodyPr rtlCol="0" anchor="ctr"/>
+            <a:lstStyle/>
+            <a:p>
+              <a:pPr algn="ctr"/>
+              <a:endParaRPr lang="en-CH"/>
+            </a:p>
+          </p:txBody>
+        </p:sp>
+        <p:sp>
+          <p:nvSpPr>
+            <p:cNvPr id="7" name="矩形 6">
+              <a:extLst>
+                <a:ext uri="{FF2B5EF4-FFF2-40B4-BE49-F238E27FC236}">
+                  <a16:creationId xmlns:a16="http://schemas.microsoft.com/office/drawing/2014/main" id="{5778444D-7BEB-95AA-DCF8-A3651DD0BFB3}"/>
+                </a:ext>
+              </a:extLst>
+            </p:cNvPr>
+            <p:cNvSpPr/>
+            <p:nvPr/>
+          </p:nvSpPr>
+          <p:spPr>
+            <a:xfrm>
+              <a:off x="1922746" y="3920516"/>
+              <a:ext cx="942975" cy="952500"/>
+            </a:xfrm>
+            <a:prstGeom prst="rect">
+              <a:avLst/>
+            </a:prstGeom>
+            <a:solidFill>
+              <a:schemeClr val="accent1">
+                <a:lumMod val="20000"/>
+                <a:lumOff val="80000"/>
+              </a:schemeClr>
+            </a:solidFill>
+            <a:ln>
+              <a:solidFill>
+                <a:schemeClr val="tx1"/>
+              </a:solidFill>
+            </a:ln>
+          </p:spPr>
+          <p:style>
+            <a:lnRef idx="2">
+              <a:schemeClr val="dk1"/>
+            </a:lnRef>
+            <a:fillRef idx="1">
+              <a:schemeClr val="lt1"/>
+            </a:fillRef>
+            <a:effectRef idx="0">
+              <a:schemeClr val="dk1"/>
+            </a:effectRef>
+            <a:fontRef idx="minor">
+              <a:schemeClr val="dk1"/>
+            </a:fontRef>
+          </p:style>
+          <p:txBody>
+            <a:bodyPr rtlCol="0" anchor="ctr"/>
+            <a:lstStyle/>
+            <a:p>
+              <a:pPr algn="ctr"/>
+              <a:endParaRPr lang="en-CH"/>
+            </a:p>
+          </p:txBody>
+        </p:sp>
+        <p:sp>
+          <p:nvSpPr>
+            <p:cNvPr id="8" name="矩形 7">
+              <a:extLst>
+                <a:ext uri="{FF2B5EF4-FFF2-40B4-BE49-F238E27FC236}">
+                  <a16:creationId xmlns:a16="http://schemas.microsoft.com/office/drawing/2014/main" id="{5B384373-B4AB-AE8B-E6E6-7850A43176A3}"/>
+                </a:ext>
+              </a:extLst>
+            </p:cNvPr>
+            <p:cNvSpPr/>
+            <p:nvPr/>
+          </p:nvSpPr>
+          <p:spPr>
+            <a:xfrm>
+              <a:off x="2865721" y="3920516"/>
+              <a:ext cx="942975" cy="952500"/>
+            </a:xfrm>
+            <a:prstGeom prst="rect">
+              <a:avLst/>
+            </a:prstGeom>
+            <a:solidFill>
+              <a:schemeClr val="accent1">
+                <a:lumMod val="20000"/>
+                <a:lumOff val="80000"/>
+              </a:schemeClr>
+            </a:solidFill>
+            <a:ln>
+              <a:solidFill>
+                <a:schemeClr val="tx1"/>
+              </a:solidFill>
+            </a:ln>
+          </p:spPr>
+          <p:style>
+            <a:lnRef idx="2">
+              <a:schemeClr val="dk1"/>
+            </a:lnRef>
+            <a:fillRef idx="1">
+              <a:schemeClr val="lt1"/>
+            </a:fillRef>
+            <a:effectRef idx="0">
+              <a:schemeClr val="dk1"/>
+            </a:effectRef>
+            <a:fontRef idx="minor">
+              <a:schemeClr val="dk1"/>
+            </a:fontRef>
+          </p:style>
+          <p:txBody>
+            <a:bodyPr rtlCol="0" anchor="ctr"/>
+            <a:lstStyle/>
+            <a:p>
+              <a:pPr algn="ctr"/>
+              <a:endParaRPr lang="en-CH"/>
+            </a:p>
+          </p:txBody>
+        </p:sp>
+        <p:sp>
+          <p:nvSpPr>
+            <p:cNvPr id="9" name="矩形 8">
+              <a:extLst>
+                <a:ext uri="{FF2B5EF4-FFF2-40B4-BE49-F238E27FC236}">
+                  <a16:creationId xmlns:a16="http://schemas.microsoft.com/office/drawing/2014/main" id="{176A4147-432B-8388-18C8-AFDD73E59F66}"/>
+                </a:ext>
+              </a:extLst>
+            </p:cNvPr>
+            <p:cNvSpPr/>
+            <p:nvPr/>
+          </p:nvSpPr>
+          <p:spPr>
+            <a:xfrm>
+              <a:off x="3808696" y="3920516"/>
+              <a:ext cx="942975" cy="952500"/>
+            </a:xfrm>
+            <a:prstGeom prst="rect">
+              <a:avLst/>
+            </a:prstGeom>
+            <a:solidFill>
+              <a:schemeClr val="accent1">
+                <a:lumMod val="20000"/>
+                <a:lumOff val="80000"/>
+              </a:schemeClr>
+            </a:solidFill>
+            <a:ln>
+              <a:solidFill>
+                <a:schemeClr val="tx1"/>
+              </a:solidFill>
+            </a:ln>
+          </p:spPr>
+          <p:style>
+            <a:lnRef idx="2">
+              <a:schemeClr val="dk1"/>
+            </a:lnRef>
+            <a:fillRef idx="1">
+              <a:schemeClr val="lt1"/>
+            </a:fillRef>
+            <a:effectRef idx="0">
+              <a:schemeClr val="dk1"/>
+            </a:effectRef>
+            <a:fontRef idx="minor">
+              <a:schemeClr val="dk1"/>
+            </a:fontRef>
+          </p:style>
+          <p:txBody>
+            <a:bodyPr rtlCol="0" anchor="ctr"/>
+            <a:lstStyle/>
+            <a:p>
+              <a:pPr algn="ctr"/>
+              <a:endParaRPr lang="en-CH"/>
+            </a:p>
+          </p:txBody>
+        </p:sp>
+        <p:sp>
+          <p:nvSpPr>
+            <p:cNvPr id="10" name="矩形 9">
+              <a:extLst>
+                <a:ext uri="{FF2B5EF4-FFF2-40B4-BE49-F238E27FC236}">
+                  <a16:creationId xmlns:a16="http://schemas.microsoft.com/office/drawing/2014/main" id="{2356C94A-CE86-15C3-9357-E1F457FB376B}"/>
+                </a:ext>
+              </a:extLst>
+            </p:cNvPr>
+            <p:cNvSpPr/>
+            <p:nvPr/>
+          </p:nvSpPr>
+          <p:spPr>
+            <a:xfrm>
+              <a:off x="1922746" y="4873016"/>
+              <a:ext cx="942975" cy="952500"/>
+            </a:xfrm>
+            <a:prstGeom prst="rect">
+              <a:avLst/>
+            </a:prstGeom>
+            <a:solidFill>
+              <a:schemeClr val="accent1">
+                <a:lumMod val="20000"/>
+                <a:lumOff val="80000"/>
+              </a:schemeClr>
+            </a:solidFill>
+            <a:ln>
+              <a:solidFill>
+                <a:schemeClr val="tx1"/>
+              </a:solidFill>
+            </a:ln>
+          </p:spPr>
+          <p:style>
+            <a:lnRef idx="2">
+              <a:schemeClr val="accent2"/>
+            </a:lnRef>
+            <a:fillRef idx="1">
+              <a:schemeClr val="lt1"/>
+            </a:fillRef>
+            <a:effectRef idx="0">
+              <a:schemeClr val="accent2"/>
+            </a:effectRef>
+            <a:fontRef idx="minor">
+              <a:schemeClr val="dk1"/>
+            </a:fontRef>
+          </p:style>
+          <p:txBody>
+            <a:bodyPr rtlCol="0" anchor="ctr"/>
+            <a:lstStyle/>
+            <a:p>
+              <a:pPr algn="ctr"/>
+              <a:endParaRPr lang="en-CH"/>
+            </a:p>
+          </p:txBody>
+        </p:sp>
+        <p:sp>
+          <p:nvSpPr>
+            <p:cNvPr id="11" name="矩形 10">
+              <a:extLst>
+                <a:ext uri="{FF2B5EF4-FFF2-40B4-BE49-F238E27FC236}">
+                  <a16:creationId xmlns:a16="http://schemas.microsoft.com/office/drawing/2014/main" id="{BC8E2872-E622-5FCA-4C41-485D21FFC148}"/>
+                </a:ext>
+              </a:extLst>
+            </p:cNvPr>
+            <p:cNvSpPr/>
+            <p:nvPr/>
+          </p:nvSpPr>
+          <p:spPr>
+            <a:xfrm>
+              <a:off x="2865721" y="4873016"/>
+              <a:ext cx="942975" cy="952500"/>
+            </a:xfrm>
+            <a:prstGeom prst="rect">
+              <a:avLst/>
+            </a:prstGeom>
+            <a:solidFill>
+              <a:schemeClr val="accent1">
+                <a:lumMod val="20000"/>
+                <a:lumOff val="80000"/>
+              </a:schemeClr>
+            </a:solidFill>
+            <a:ln>
+              <a:solidFill>
+                <a:schemeClr val="tx1"/>
+              </a:solidFill>
+            </a:ln>
+          </p:spPr>
+          <p:style>
+            <a:lnRef idx="2">
+              <a:schemeClr val="accent2"/>
+            </a:lnRef>
+            <a:fillRef idx="1">
+              <a:schemeClr val="lt1"/>
+            </a:fillRef>
+            <a:effectRef idx="0">
+              <a:schemeClr val="accent2"/>
+            </a:effectRef>
+            <a:fontRef idx="minor">
+              <a:schemeClr val="dk1"/>
+            </a:fontRef>
+          </p:style>
+          <p:txBody>
+            <a:bodyPr rtlCol="0" anchor="ctr"/>
+            <a:lstStyle/>
+            <a:p>
+              <a:pPr algn="ctr"/>
+              <a:endParaRPr lang="en-CH"/>
+            </a:p>
+          </p:txBody>
+        </p:sp>
+        <p:sp>
+          <p:nvSpPr>
+            <p:cNvPr id="12" name="矩形 11">
+              <a:extLst>
+                <a:ext uri="{FF2B5EF4-FFF2-40B4-BE49-F238E27FC236}">
+                  <a16:creationId xmlns:a16="http://schemas.microsoft.com/office/drawing/2014/main" id="{2F75F26B-3C04-27BB-ABAE-24D2BFE13A49}"/>
+                </a:ext>
+              </a:extLst>
+            </p:cNvPr>
+            <p:cNvSpPr/>
+            <p:nvPr/>
+          </p:nvSpPr>
+          <p:spPr>
+            <a:xfrm>
+              <a:off x="3808696" y="4873016"/>
+              <a:ext cx="942975" cy="952500"/>
+            </a:xfrm>
+            <a:prstGeom prst="rect">
+              <a:avLst/>
+            </a:prstGeom>
+            <a:solidFill>
+              <a:schemeClr val="accent1">
+                <a:lumMod val="20000"/>
+                <a:lumOff val="80000"/>
+              </a:schemeClr>
+            </a:solidFill>
+            <a:ln>
+              <a:solidFill>
+                <a:schemeClr val="tx1"/>
+              </a:solidFill>
+            </a:ln>
+          </p:spPr>
+          <p:style>
+            <a:lnRef idx="2">
+              <a:schemeClr val="accent2"/>
+            </a:lnRef>
+            <a:fillRef idx="1">
+              <a:schemeClr val="lt1"/>
+            </a:fillRef>
+            <a:effectRef idx="0">
+              <a:schemeClr val="accent2"/>
+            </a:effectRef>
+            <a:fontRef idx="minor">
+              <a:schemeClr val="dk1"/>
+            </a:fontRef>
+          </p:style>
+          <p:txBody>
+            <a:bodyPr rtlCol="0" anchor="ctr"/>
+            <a:lstStyle/>
+            <a:p>
+              <a:pPr algn="ctr"/>
+              <a:endParaRPr lang="en-CH"/>
+            </a:p>
+          </p:txBody>
+        </p:sp>
+        <p:sp>
+          <p:nvSpPr>
+            <p:cNvPr id="13" name="矩形 12">
+              <a:extLst>
+                <a:ext uri="{FF2B5EF4-FFF2-40B4-BE49-F238E27FC236}">
+                  <a16:creationId xmlns:a16="http://schemas.microsoft.com/office/drawing/2014/main" id="{D5084199-C5B6-FFA7-22F0-588BD2686E4E}"/>
+                </a:ext>
+              </a:extLst>
+            </p:cNvPr>
+            <p:cNvSpPr/>
+            <p:nvPr/>
+          </p:nvSpPr>
+          <p:spPr>
+            <a:xfrm>
+              <a:off x="7580299" y="2946587"/>
+              <a:ext cx="942975" cy="952500"/>
+            </a:xfrm>
+            <a:prstGeom prst="rect">
+              <a:avLst/>
+            </a:prstGeom>
+            <a:ln/>
+          </p:spPr>
+          <p:style>
+            <a:lnRef idx="2">
+              <a:schemeClr val="dk1"/>
+            </a:lnRef>
+            <a:fillRef idx="1">
+              <a:schemeClr val="lt1"/>
+            </a:fillRef>
+            <a:effectRef idx="0">
+              <a:schemeClr val="dk1"/>
+            </a:effectRef>
+            <a:fontRef idx="minor">
+              <a:schemeClr val="dk1"/>
+            </a:fontRef>
+          </p:style>
+          <p:txBody>
+            <a:bodyPr rtlCol="0" anchor="ctr"/>
+            <a:lstStyle/>
+            <a:p>
+              <a:pPr algn="ctr"/>
+              <a:endParaRPr lang="en-CH"/>
+            </a:p>
+          </p:txBody>
+        </p:sp>
+        <p:sp>
+          <p:nvSpPr>
+            <p:cNvPr id="14" name="矩形 13">
+              <a:extLst>
+                <a:ext uri="{FF2B5EF4-FFF2-40B4-BE49-F238E27FC236}">
+                  <a16:creationId xmlns:a16="http://schemas.microsoft.com/office/drawing/2014/main" id="{7D0B75D7-9750-595B-4DB2-15D13DF08135}"/>
+                </a:ext>
+              </a:extLst>
+            </p:cNvPr>
+            <p:cNvSpPr/>
+            <p:nvPr/>
+          </p:nvSpPr>
+          <p:spPr>
+            <a:xfrm>
+              <a:off x="8523274" y="2946587"/>
+              <a:ext cx="942975" cy="952500"/>
+            </a:xfrm>
+            <a:prstGeom prst="rect">
+              <a:avLst/>
+            </a:prstGeom>
+            <a:ln/>
+          </p:spPr>
+          <p:style>
+            <a:lnRef idx="2">
+              <a:schemeClr val="dk1"/>
+            </a:lnRef>
+            <a:fillRef idx="1">
+              <a:schemeClr val="lt1"/>
+            </a:fillRef>
+            <a:effectRef idx="0">
+              <a:schemeClr val="dk1"/>
+            </a:effectRef>
+            <a:fontRef idx="minor">
+              <a:schemeClr val="dk1"/>
+            </a:fontRef>
+          </p:style>
+          <p:txBody>
+            <a:bodyPr rtlCol="0" anchor="ctr"/>
+            <a:lstStyle/>
+            <a:p>
+              <a:pPr algn="ctr"/>
+              <a:endParaRPr lang="en-CH"/>
+            </a:p>
+          </p:txBody>
+        </p:sp>
+        <p:sp>
+          <p:nvSpPr>
+            <p:cNvPr id="15" name="矩形 14">
+              <a:extLst>
+                <a:ext uri="{FF2B5EF4-FFF2-40B4-BE49-F238E27FC236}">
+                  <a16:creationId xmlns:a16="http://schemas.microsoft.com/office/drawing/2014/main" id="{95215965-870B-22B9-5A31-032CF6031767}"/>
+                </a:ext>
+              </a:extLst>
+            </p:cNvPr>
+            <p:cNvSpPr/>
+            <p:nvPr/>
+          </p:nvSpPr>
+          <p:spPr>
+            <a:xfrm>
+              <a:off x="9466249" y="2946587"/>
+              <a:ext cx="942975" cy="952500"/>
+            </a:xfrm>
+            <a:prstGeom prst="rect">
+              <a:avLst/>
+            </a:prstGeom>
+            <a:ln/>
+          </p:spPr>
+          <p:style>
+            <a:lnRef idx="2">
+              <a:schemeClr val="dk1"/>
+            </a:lnRef>
+            <a:fillRef idx="1">
+              <a:schemeClr val="lt1"/>
+            </a:fillRef>
+            <a:effectRef idx="0">
+              <a:schemeClr val="dk1"/>
+            </a:effectRef>
+            <a:fontRef idx="minor">
+              <a:schemeClr val="dk1"/>
+            </a:fontRef>
+          </p:style>
+          <p:txBody>
+            <a:bodyPr rtlCol="0" anchor="ctr"/>
+            <a:lstStyle/>
+            <a:p>
+              <a:pPr algn="ctr"/>
+              <a:endParaRPr lang="en-CH"/>
+            </a:p>
+          </p:txBody>
+        </p:sp>
+        <p:cxnSp>
+          <p:nvCxnSpPr>
+            <p:cNvPr id="16" name="直接连接符 15">
+              <a:extLst>
+                <a:ext uri="{FF2B5EF4-FFF2-40B4-BE49-F238E27FC236}">
+                  <a16:creationId xmlns:a16="http://schemas.microsoft.com/office/drawing/2014/main" id="{511F8ED2-E49C-8BB8-FFF4-D665674DB8CE}"/>
+                </a:ext>
+              </a:extLst>
+            </p:cNvPr>
+            <p:cNvCxnSpPr>
+              <a:cxnSpLocks/>
+            </p:cNvCxnSpPr>
+            <p:nvPr/>
+          </p:nvCxnSpPr>
+          <p:spPr>
+            <a:xfrm>
+              <a:off x="7580299" y="2927538"/>
+              <a:ext cx="942975" cy="971549"/>
+            </a:xfrm>
+            <a:prstGeom prst="line">
+              <a:avLst/>
+            </a:prstGeom>
+          </p:spPr>
+          <p:style>
+            <a:lnRef idx="2">
+              <a:schemeClr val="dk1"/>
+            </a:lnRef>
+            <a:fillRef idx="0">
+              <a:schemeClr val="dk1"/>
+            </a:fillRef>
+            <a:effectRef idx="1">
+              <a:schemeClr val="dk1"/>
+            </a:effectRef>
+            <a:fontRef idx="minor">
+              <a:schemeClr val="tx1"/>
+            </a:fontRef>
+          </p:style>
+        </p:cxnSp>
+        <p:cxnSp>
+          <p:nvCxnSpPr>
+            <p:cNvPr id="17" name="直接连接符 16">
+              <a:extLst>
+                <a:ext uri="{FF2B5EF4-FFF2-40B4-BE49-F238E27FC236}">
+                  <a16:creationId xmlns:a16="http://schemas.microsoft.com/office/drawing/2014/main" id="{40BAF22C-5E19-4C78-401A-A8DD78B31BF8}"/>
+                </a:ext>
+              </a:extLst>
+            </p:cNvPr>
+            <p:cNvCxnSpPr>
+              <a:cxnSpLocks/>
+            </p:cNvCxnSpPr>
+            <p:nvPr/>
+          </p:nvCxnSpPr>
+          <p:spPr>
+            <a:xfrm flipV="1">
+              <a:off x="7580299" y="2937063"/>
+              <a:ext cx="942975" cy="942975"/>
+            </a:xfrm>
+            <a:prstGeom prst="line">
+              <a:avLst/>
+            </a:prstGeom>
+          </p:spPr>
+          <p:style>
+            <a:lnRef idx="2">
+              <a:schemeClr val="dk1"/>
+            </a:lnRef>
+            <a:fillRef idx="0">
+              <a:schemeClr val="dk1"/>
+            </a:fillRef>
+            <a:effectRef idx="1">
+              <a:schemeClr val="dk1"/>
+            </a:effectRef>
+            <a:fontRef idx="minor">
+              <a:schemeClr val="tx1"/>
+            </a:fontRef>
+          </p:style>
+        </p:cxnSp>
+        <p:cxnSp>
+          <p:nvCxnSpPr>
+            <p:cNvPr id="18" name="直接连接符 17">
+              <a:extLst>
+                <a:ext uri="{FF2B5EF4-FFF2-40B4-BE49-F238E27FC236}">
+                  <a16:creationId xmlns:a16="http://schemas.microsoft.com/office/drawing/2014/main" id="{43DBB206-8CE6-0582-91DF-C48086E03284}"/>
+                </a:ext>
+              </a:extLst>
+            </p:cNvPr>
+            <p:cNvCxnSpPr>
+              <a:cxnSpLocks/>
+            </p:cNvCxnSpPr>
+            <p:nvPr/>
+          </p:nvCxnSpPr>
+          <p:spPr>
+            <a:xfrm flipV="1">
+              <a:off x="8523273" y="2975161"/>
+              <a:ext cx="942975" cy="942975"/>
+            </a:xfrm>
+            <a:prstGeom prst="line">
+              <a:avLst/>
+            </a:prstGeom>
+          </p:spPr>
+          <p:style>
+            <a:lnRef idx="2">
+              <a:schemeClr val="dk1"/>
+            </a:lnRef>
+            <a:fillRef idx="0">
+              <a:schemeClr val="dk1"/>
+            </a:fillRef>
+            <a:effectRef idx="1">
+              <a:schemeClr val="dk1"/>
+            </a:effectRef>
+            <a:fontRef idx="minor">
+              <a:schemeClr val="tx1"/>
+            </a:fontRef>
+          </p:style>
+        </p:cxnSp>
+        <p:cxnSp>
+          <p:nvCxnSpPr>
+            <p:cNvPr id="19" name="直接连接符 18">
+              <a:extLst>
+                <a:ext uri="{FF2B5EF4-FFF2-40B4-BE49-F238E27FC236}">
+                  <a16:creationId xmlns:a16="http://schemas.microsoft.com/office/drawing/2014/main" id="{A4D4217F-07DA-6F34-6EF3-47ABA8439A5F}"/>
+                </a:ext>
+              </a:extLst>
+            </p:cNvPr>
+            <p:cNvCxnSpPr>
+              <a:cxnSpLocks/>
+            </p:cNvCxnSpPr>
+            <p:nvPr/>
+          </p:nvCxnSpPr>
+          <p:spPr>
+            <a:xfrm>
+              <a:off x="8523272" y="2927538"/>
+              <a:ext cx="942975" cy="971549"/>
+            </a:xfrm>
+            <a:prstGeom prst="line">
+              <a:avLst/>
+            </a:prstGeom>
+          </p:spPr>
+          <p:style>
+            <a:lnRef idx="2">
+              <a:schemeClr val="dk1"/>
+            </a:lnRef>
+            <a:fillRef idx="0">
+              <a:schemeClr val="dk1"/>
+            </a:fillRef>
+            <a:effectRef idx="1">
+              <a:schemeClr val="dk1"/>
+            </a:effectRef>
+            <a:fontRef idx="minor">
+              <a:schemeClr val="tx1"/>
+            </a:fontRef>
+          </p:style>
+        </p:cxnSp>
+        <p:cxnSp>
+          <p:nvCxnSpPr>
+            <p:cNvPr id="20" name="直接连接符 19">
+              <a:extLst>
+                <a:ext uri="{FF2B5EF4-FFF2-40B4-BE49-F238E27FC236}">
+                  <a16:creationId xmlns:a16="http://schemas.microsoft.com/office/drawing/2014/main" id="{318ACC74-6698-22A1-FFFA-8B0FE336E111}"/>
+                </a:ext>
+              </a:extLst>
+            </p:cNvPr>
+            <p:cNvCxnSpPr>
+              <a:cxnSpLocks/>
+            </p:cNvCxnSpPr>
+            <p:nvPr/>
+          </p:nvCxnSpPr>
+          <p:spPr>
+            <a:xfrm>
+              <a:off x="9490063" y="2960873"/>
+              <a:ext cx="942975" cy="971549"/>
+            </a:xfrm>
+            <a:prstGeom prst="line">
+              <a:avLst/>
+            </a:prstGeom>
+          </p:spPr>
+          <p:style>
+            <a:lnRef idx="2">
+              <a:schemeClr val="dk1"/>
+            </a:lnRef>
+            <a:fillRef idx="0">
+              <a:schemeClr val="dk1"/>
+            </a:fillRef>
+            <a:effectRef idx="1">
+              <a:schemeClr val="dk1"/>
+            </a:effectRef>
+            <a:fontRef idx="minor">
+              <a:schemeClr val="tx1"/>
+            </a:fontRef>
+          </p:style>
+        </p:cxnSp>
+        <p:cxnSp>
+          <p:nvCxnSpPr>
+            <p:cNvPr id="21" name="直接连接符 20">
+              <a:extLst>
+                <a:ext uri="{FF2B5EF4-FFF2-40B4-BE49-F238E27FC236}">
+                  <a16:creationId xmlns:a16="http://schemas.microsoft.com/office/drawing/2014/main" id="{7E89EBC3-4C07-51C6-656E-D39B2D1BB1F1}"/>
+                </a:ext>
+              </a:extLst>
+            </p:cNvPr>
+            <p:cNvCxnSpPr>
+              <a:cxnSpLocks/>
+            </p:cNvCxnSpPr>
+            <p:nvPr/>
+          </p:nvCxnSpPr>
+          <p:spPr>
+            <a:xfrm flipV="1">
+              <a:off x="9442435" y="2958493"/>
+              <a:ext cx="942975" cy="942975"/>
+            </a:xfrm>
+            <a:prstGeom prst="line">
+              <a:avLst/>
+            </a:prstGeom>
+          </p:spPr>
+          <p:style>
+            <a:lnRef idx="2">
+              <a:schemeClr val="dk1"/>
+            </a:lnRef>
+            <a:fillRef idx="0">
+              <a:schemeClr val="dk1"/>
+            </a:fillRef>
+            <a:effectRef idx="1">
+              <a:schemeClr val="dk1"/>
+            </a:effectRef>
+            <a:fontRef idx="minor">
+              <a:schemeClr val="tx1"/>
+            </a:fontRef>
+          </p:style>
+        </p:cxnSp>
+        <p:sp>
+          <p:nvSpPr>
+            <p:cNvPr id="22" name="椭圆 21">
+              <a:extLst>
+                <a:ext uri="{FF2B5EF4-FFF2-40B4-BE49-F238E27FC236}">
+                  <a16:creationId xmlns:a16="http://schemas.microsoft.com/office/drawing/2014/main" id="{5386D6C0-5350-153D-437A-20C80D867FCD}"/>
+                </a:ext>
+              </a:extLst>
+            </p:cNvPr>
+            <p:cNvSpPr/>
+            <p:nvPr/>
+          </p:nvSpPr>
+          <p:spPr>
+            <a:xfrm>
+              <a:off x="7473967" y="2748265"/>
+              <a:ext cx="212660" cy="207847"/>
+            </a:xfrm>
+            <a:prstGeom prst="ellipse">
+              <a:avLst/>
+            </a:prstGeom>
+            <a:noFill/>
+            <a:ln>
+              <a:solidFill>
+                <a:schemeClr val="tx1"/>
+              </a:solidFill>
+            </a:ln>
+          </p:spPr>
+          <p:style>
+            <a:lnRef idx="2">
+              <a:schemeClr val="accent1">
+                <a:shade val="15000"/>
+              </a:schemeClr>
+            </a:lnRef>
+            <a:fillRef idx="1">
+              <a:schemeClr val="accent1"/>
+            </a:fillRef>
+            <a:effectRef idx="0">
+              <a:schemeClr val="accent1"/>
+            </a:effectRef>
+            <a:fontRef idx="minor">
+              <a:schemeClr val="lt1"/>
+            </a:fontRef>
+          </p:style>
+          <p:txBody>
+            <a:bodyPr rtlCol="0" anchor="ctr"/>
+            <a:lstStyle/>
+            <a:p>
+              <a:pPr algn="ctr"/>
+              <a:endParaRPr lang="en-CH"/>
+            </a:p>
+          </p:txBody>
+        </p:sp>
+        <p:sp>
+          <p:nvSpPr>
+            <p:cNvPr id="23" name="椭圆 22">
+              <a:extLst>
+                <a:ext uri="{FF2B5EF4-FFF2-40B4-BE49-F238E27FC236}">
+                  <a16:creationId xmlns:a16="http://schemas.microsoft.com/office/drawing/2014/main" id="{F312E19D-42E5-8381-9E1D-915F032525CB}"/>
+                </a:ext>
+              </a:extLst>
+            </p:cNvPr>
+            <p:cNvSpPr/>
+            <p:nvPr/>
+          </p:nvSpPr>
+          <p:spPr>
+            <a:xfrm>
+              <a:off x="8393128" y="2733978"/>
+              <a:ext cx="212660" cy="207847"/>
+            </a:xfrm>
+            <a:prstGeom prst="ellipse">
+              <a:avLst/>
+            </a:prstGeom>
+            <a:noFill/>
+            <a:ln>
+              <a:solidFill>
+                <a:schemeClr val="tx1"/>
+              </a:solidFill>
+            </a:ln>
+          </p:spPr>
+          <p:style>
+            <a:lnRef idx="2">
+              <a:schemeClr val="accent1">
+                <a:shade val="15000"/>
+              </a:schemeClr>
+            </a:lnRef>
+            <a:fillRef idx="1">
+              <a:schemeClr val="accent1"/>
+            </a:fillRef>
+            <a:effectRef idx="0">
+              <a:schemeClr val="accent1"/>
+            </a:effectRef>
+            <a:fontRef idx="minor">
+              <a:schemeClr val="lt1"/>
+            </a:fontRef>
+          </p:style>
+          <p:txBody>
+            <a:bodyPr rtlCol="0" anchor="ctr"/>
+            <a:lstStyle/>
+            <a:p>
+              <a:pPr algn="ctr"/>
+              <a:endParaRPr lang="en-CH"/>
+            </a:p>
+          </p:txBody>
+        </p:sp>
+        <p:sp>
+          <p:nvSpPr>
+            <p:cNvPr id="24" name="椭圆 23">
+              <a:extLst>
+                <a:ext uri="{FF2B5EF4-FFF2-40B4-BE49-F238E27FC236}">
+                  <a16:creationId xmlns:a16="http://schemas.microsoft.com/office/drawing/2014/main" id="{A744DCC9-E4E1-B39C-5CF2-B812E969C6EB}"/>
+                </a:ext>
+              </a:extLst>
+            </p:cNvPr>
+            <p:cNvSpPr/>
+            <p:nvPr/>
+          </p:nvSpPr>
+          <p:spPr>
+            <a:xfrm>
+              <a:off x="9359917" y="2717310"/>
+              <a:ext cx="212660" cy="207847"/>
+            </a:xfrm>
+            <a:prstGeom prst="ellipse">
+              <a:avLst/>
+            </a:prstGeom>
+            <a:noFill/>
+            <a:ln>
+              <a:solidFill>
+                <a:schemeClr val="tx1"/>
+              </a:solidFill>
+            </a:ln>
+          </p:spPr>
+          <p:style>
+            <a:lnRef idx="2">
+              <a:schemeClr val="accent1">
+                <a:shade val="15000"/>
+              </a:schemeClr>
+            </a:lnRef>
+            <a:fillRef idx="1">
+              <a:schemeClr val="accent1"/>
+            </a:fillRef>
+            <a:effectRef idx="0">
+              <a:schemeClr val="accent1"/>
+            </a:effectRef>
+            <a:fontRef idx="minor">
+              <a:schemeClr val="lt1"/>
+            </a:fontRef>
+          </p:style>
+          <p:txBody>
+            <a:bodyPr rtlCol="0" anchor="ctr"/>
+            <a:lstStyle/>
+            <a:p>
+              <a:pPr algn="ctr"/>
+              <a:endParaRPr lang="en-CH"/>
+            </a:p>
+          </p:txBody>
+        </p:sp>
+        <p:sp>
+          <p:nvSpPr>
+            <p:cNvPr id="25" name="椭圆 24">
+              <a:extLst>
+                <a:ext uri="{FF2B5EF4-FFF2-40B4-BE49-F238E27FC236}">
+                  <a16:creationId xmlns:a16="http://schemas.microsoft.com/office/drawing/2014/main" id="{D7942D92-99F5-771F-BF7D-6E9100BC42EA}"/>
+                </a:ext>
+              </a:extLst>
+            </p:cNvPr>
+            <p:cNvSpPr/>
+            <p:nvPr/>
+          </p:nvSpPr>
+          <p:spPr>
+            <a:xfrm>
+              <a:off x="10279080" y="2723026"/>
+              <a:ext cx="212660" cy="207847"/>
+            </a:xfrm>
+            <a:prstGeom prst="ellipse">
+              <a:avLst/>
+            </a:prstGeom>
+            <a:noFill/>
+            <a:ln>
+              <a:solidFill>
+                <a:schemeClr val="tx1"/>
+              </a:solidFill>
+            </a:ln>
+          </p:spPr>
+          <p:style>
+            <a:lnRef idx="2">
+              <a:schemeClr val="accent1">
+                <a:shade val="15000"/>
+              </a:schemeClr>
+            </a:lnRef>
+            <a:fillRef idx="1">
+              <a:schemeClr val="accent1"/>
+            </a:fillRef>
+            <a:effectRef idx="0">
+              <a:schemeClr val="accent1"/>
+            </a:effectRef>
+            <a:fontRef idx="minor">
+              <a:schemeClr val="lt1"/>
+            </a:fontRef>
+          </p:style>
+          <p:txBody>
+            <a:bodyPr rtlCol="0" anchor="ctr"/>
+            <a:lstStyle/>
+            <a:p>
+              <a:pPr algn="ctr"/>
+              <a:endParaRPr lang="en-CH"/>
+            </a:p>
+          </p:txBody>
+        </p:sp>
+        <p:sp>
+          <p:nvSpPr>
+            <p:cNvPr id="26" name="矩形 25">
+              <a:extLst>
+                <a:ext uri="{FF2B5EF4-FFF2-40B4-BE49-F238E27FC236}">
+                  <a16:creationId xmlns:a16="http://schemas.microsoft.com/office/drawing/2014/main" id="{7A8935C1-B525-8403-8E5B-87D7E64E86DE}"/>
+                </a:ext>
+              </a:extLst>
+            </p:cNvPr>
+            <p:cNvSpPr/>
+            <p:nvPr/>
+          </p:nvSpPr>
+          <p:spPr>
+            <a:xfrm>
+              <a:off x="7580297" y="3896706"/>
+              <a:ext cx="942975" cy="952500"/>
+            </a:xfrm>
+            <a:prstGeom prst="rect">
+              <a:avLst/>
+            </a:prstGeom>
+            <a:ln/>
+          </p:spPr>
+          <p:style>
+            <a:lnRef idx="2">
+              <a:schemeClr val="dk1"/>
+            </a:lnRef>
+            <a:fillRef idx="1">
+              <a:schemeClr val="lt1"/>
+            </a:fillRef>
+            <a:effectRef idx="0">
+              <a:schemeClr val="dk1"/>
+            </a:effectRef>
+            <a:fontRef idx="minor">
+              <a:schemeClr val="dk1"/>
+            </a:fontRef>
+          </p:style>
+          <p:txBody>
+            <a:bodyPr rtlCol="0" anchor="ctr"/>
+            <a:lstStyle/>
+            <a:p>
+              <a:pPr algn="ctr"/>
+              <a:endParaRPr lang="en-CH"/>
+            </a:p>
+          </p:txBody>
+        </p:sp>
+        <p:sp>
+          <p:nvSpPr>
+            <p:cNvPr id="27" name="矩形 26">
+              <a:extLst>
+                <a:ext uri="{FF2B5EF4-FFF2-40B4-BE49-F238E27FC236}">
+                  <a16:creationId xmlns:a16="http://schemas.microsoft.com/office/drawing/2014/main" id="{C07EAF69-63AD-4147-20AC-65EE1673AAF7}"/>
+                </a:ext>
+              </a:extLst>
+            </p:cNvPr>
+            <p:cNvSpPr/>
+            <p:nvPr/>
+          </p:nvSpPr>
+          <p:spPr>
+            <a:xfrm>
+              <a:off x="8523272" y="3896706"/>
+              <a:ext cx="942975" cy="952500"/>
+            </a:xfrm>
+            <a:prstGeom prst="rect">
+              <a:avLst/>
+            </a:prstGeom>
+            <a:ln/>
+          </p:spPr>
+          <p:style>
+            <a:lnRef idx="2">
+              <a:schemeClr val="dk1"/>
+            </a:lnRef>
+            <a:fillRef idx="1">
+              <a:schemeClr val="lt1"/>
+            </a:fillRef>
+            <a:effectRef idx="0">
+              <a:schemeClr val="dk1"/>
+            </a:effectRef>
+            <a:fontRef idx="minor">
+              <a:schemeClr val="dk1"/>
+            </a:fontRef>
+          </p:style>
+          <p:txBody>
+            <a:bodyPr rtlCol="0" anchor="ctr"/>
+            <a:lstStyle/>
+            <a:p>
+              <a:pPr algn="ctr"/>
+              <a:endParaRPr lang="en-CH"/>
+            </a:p>
+          </p:txBody>
+        </p:sp>
+        <p:sp>
+          <p:nvSpPr>
+            <p:cNvPr id="28" name="矩形 27">
+              <a:extLst>
+                <a:ext uri="{FF2B5EF4-FFF2-40B4-BE49-F238E27FC236}">
+                  <a16:creationId xmlns:a16="http://schemas.microsoft.com/office/drawing/2014/main" id="{1A8179D3-ED12-EC93-0A56-D58891DFCD7C}"/>
+                </a:ext>
+              </a:extLst>
+            </p:cNvPr>
+            <p:cNvSpPr/>
+            <p:nvPr/>
+          </p:nvSpPr>
+          <p:spPr>
+            <a:xfrm>
+              <a:off x="9466247" y="3896706"/>
+              <a:ext cx="942975" cy="952500"/>
+            </a:xfrm>
+            <a:prstGeom prst="rect">
+              <a:avLst/>
+            </a:prstGeom>
+            <a:ln/>
+          </p:spPr>
+          <p:style>
+            <a:lnRef idx="2">
+              <a:schemeClr val="dk1"/>
+            </a:lnRef>
+            <a:fillRef idx="1">
+              <a:schemeClr val="lt1"/>
+            </a:fillRef>
+            <a:effectRef idx="0">
+              <a:schemeClr val="dk1"/>
+            </a:effectRef>
+            <a:fontRef idx="minor">
+              <a:schemeClr val="dk1"/>
+            </a:fontRef>
+          </p:style>
+          <p:txBody>
+            <a:bodyPr rtlCol="0" anchor="ctr"/>
+            <a:lstStyle/>
+            <a:p>
+              <a:pPr algn="ctr"/>
+              <a:endParaRPr lang="en-CH"/>
+            </a:p>
+          </p:txBody>
+        </p:sp>
+        <p:cxnSp>
+          <p:nvCxnSpPr>
+            <p:cNvPr id="29" name="直接连接符 28">
+              <a:extLst>
+                <a:ext uri="{FF2B5EF4-FFF2-40B4-BE49-F238E27FC236}">
+                  <a16:creationId xmlns:a16="http://schemas.microsoft.com/office/drawing/2014/main" id="{894B1107-652F-9935-2CDE-5C0414923ED0}"/>
+                </a:ext>
+              </a:extLst>
+            </p:cNvPr>
+            <p:cNvCxnSpPr>
+              <a:cxnSpLocks/>
+            </p:cNvCxnSpPr>
+            <p:nvPr/>
+          </p:nvCxnSpPr>
+          <p:spPr>
+            <a:xfrm>
+              <a:off x="7580297" y="3877657"/>
+              <a:ext cx="942975" cy="971549"/>
+            </a:xfrm>
+            <a:prstGeom prst="line">
+              <a:avLst/>
+            </a:prstGeom>
+          </p:spPr>
+          <p:style>
+            <a:lnRef idx="2">
+              <a:schemeClr val="dk1"/>
+            </a:lnRef>
+            <a:fillRef idx="0">
+              <a:schemeClr val="dk1"/>
+            </a:fillRef>
+            <a:effectRef idx="1">
+              <a:schemeClr val="dk1"/>
+            </a:effectRef>
+            <a:fontRef idx="minor">
+              <a:schemeClr val="tx1"/>
+            </a:fontRef>
+          </p:style>
+        </p:cxnSp>
+        <p:cxnSp>
+          <p:nvCxnSpPr>
+            <p:cNvPr id="30" name="直接连接符 29">
+              <a:extLst>
+                <a:ext uri="{FF2B5EF4-FFF2-40B4-BE49-F238E27FC236}">
+                  <a16:creationId xmlns:a16="http://schemas.microsoft.com/office/drawing/2014/main" id="{8B049775-E2F5-6E8F-F41A-D8C1540D043E}"/>
+                </a:ext>
+              </a:extLst>
+            </p:cNvPr>
+            <p:cNvCxnSpPr>
+              <a:cxnSpLocks/>
+            </p:cNvCxnSpPr>
+            <p:nvPr/>
+          </p:nvCxnSpPr>
+          <p:spPr>
+            <a:xfrm flipV="1">
+              <a:off x="7580297" y="3887182"/>
+              <a:ext cx="942975" cy="942975"/>
+            </a:xfrm>
+            <a:prstGeom prst="line">
+              <a:avLst/>
+            </a:prstGeom>
+          </p:spPr>
+          <p:style>
+            <a:lnRef idx="2">
+              <a:schemeClr val="dk1"/>
+            </a:lnRef>
+            <a:fillRef idx="0">
+              <a:schemeClr val="dk1"/>
+            </a:fillRef>
+            <a:effectRef idx="1">
+              <a:schemeClr val="dk1"/>
+            </a:effectRef>
+            <a:fontRef idx="minor">
+              <a:schemeClr val="tx1"/>
+            </a:fontRef>
+          </p:style>
+        </p:cxnSp>
+        <p:cxnSp>
+          <p:nvCxnSpPr>
+            <p:cNvPr id="31" name="直接连接符 30">
+              <a:extLst>
+                <a:ext uri="{FF2B5EF4-FFF2-40B4-BE49-F238E27FC236}">
+                  <a16:creationId xmlns:a16="http://schemas.microsoft.com/office/drawing/2014/main" id="{E2EE1744-F378-123F-8701-52D32A8267D6}"/>
+                </a:ext>
+              </a:extLst>
+            </p:cNvPr>
+            <p:cNvCxnSpPr>
+              <a:cxnSpLocks/>
+            </p:cNvCxnSpPr>
+            <p:nvPr/>
+          </p:nvCxnSpPr>
+          <p:spPr>
+            <a:xfrm flipV="1">
+              <a:off x="8523271" y="3925280"/>
+              <a:ext cx="942975" cy="942975"/>
+            </a:xfrm>
+            <a:prstGeom prst="line">
+              <a:avLst/>
+            </a:prstGeom>
+          </p:spPr>
+          <p:style>
+            <a:lnRef idx="2">
+              <a:schemeClr val="dk1"/>
+            </a:lnRef>
+            <a:fillRef idx="0">
+              <a:schemeClr val="dk1"/>
+            </a:fillRef>
+            <a:effectRef idx="1">
+              <a:schemeClr val="dk1"/>
+            </a:effectRef>
+            <a:fontRef idx="minor">
+              <a:schemeClr val="tx1"/>
+            </a:fontRef>
+          </p:style>
+        </p:cxnSp>
+        <p:cxnSp>
+          <p:nvCxnSpPr>
+            <p:cNvPr id="32" name="直接连接符 31">
+              <a:extLst>
+                <a:ext uri="{FF2B5EF4-FFF2-40B4-BE49-F238E27FC236}">
+                  <a16:creationId xmlns:a16="http://schemas.microsoft.com/office/drawing/2014/main" id="{9C4E1802-810C-1A9D-D24D-0E9FF1FF62A4}"/>
+                </a:ext>
+              </a:extLst>
+            </p:cNvPr>
+            <p:cNvCxnSpPr>
+              <a:cxnSpLocks/>
+            </p:cNvCxnSpPr>
+            <p:nvPr/>
+          </p:nvCxnSpPr>
+          <p:spPr>
+            <a:xfrm>
+              <a:off x="8523270" y="3877657"/>
+              <a:ext cx="942975" cy="971549"/>
+            </a:xfrm>
+            <a:prstGeom prst="line">
+              <a:avLst/>
+            </a:prstGeom>
+          </p:spPr>
+          <p:style>
+            <a:lnRef idx="2">
+              <a:schemeClr val="dk1"/>
+            </a:lnRef>
+            <a:fillRef idx="0">
+              <a:schemeClr val="dk1"/>
+            </a:fillRef>
+            <a:effectRef idx="1">
+              <a:schemeClr val="dk1"/>
+            </a:effectRef>
+            <a:fontRef idx="minor">
+              <a:schemeClr val="tx1"/>
+            </a:fontRef>
+          </p:style>
+        </p:cxnSp>
+        <p:cxnSp>
+          <p:nvCxnSpPr>
+            <p:cNvPr id="33" name="直接连接符 32">
+              <a:extLst>
+                <a:ext uri="{FF2B5EF4-FFF2-40B4-BE49-F238E27FC236}">
+                  <a16:creationId xmlns:a16="http://schemas.microsoft.com/office/drawing/2014/main" id="{FA745C8F-D17B-D301-47EE-74783A3FF72E}"/>
+                </a:ext>
+              </a:extLst>
+            </p:cNvPr>
+            <p:cNvCxnSpPr>
+              <a:cxnSpLocks/>
+            </p:cNvCxnSpPr>
+            <p:nvPr/>
+          </p:nvCxnSpPr>
+          <p:spPr>
+            <a:xfrm>
+              <a:off x="9490061" y="3910992"/>
+              <a:ext cx="942975" cy="971549"/>
+            </a:xfrm>
+            <a:prstGeom prst="line">
+              <a:avLst/>
+            </a:prstGeom>
+          </p:spPr>
+          <p:style>
+            <a:lnRef idx="2">
+              <a:schemeClr val="dk1"/>
+            </a:lnRef>
+            <a:fillRef idx="0">
+              <a:schemeClr val="dk1"/>
+            </a:fillRef>
+            <a:effectRef idx="1">
+              <a:schemeClr val="dk1"/>
+            </a:effectRef>
+            <a:fontRef idx="minor">
+              <a:schemeClr val="tx1"/>
+            </a:fontRef>
+          </p:style>
+        </p:cxnSp>
+        <p:cxnSp>
+          <p:nvCxnSpPr>
+            <p:cNvPr id="34" name="直接连接符 33">
+              <a:extLst>
+                <a:ext uri="{FF2B5EF4-FFF2-40B4-BE49-F238E27FC236}">
+                  <a16:creationId xmlns:a16="http://schemas.microsoft.com/office/drawing/2014/main" id="{6B57990B-60CA-1AE1-75B7-63309E4965D1}"/>
+                </a:ext>
+              </a:extLst>
+            </p:cNvPr>
+            <p:cNvCxnSpPr>
+              <a:cxnSpLocks/>
+            </p:cNvCxnSpPr>
+            <p:nvPr/>
+          </p:nvCxnSpPr>
+          <p:spPr>
+            <a:xfrm flipV="1">
+              <a:off x="9442433" y="3908612"/>
+              <a:ext cx="942975" cy="942975"/>
+            </a:xfrm>
+            <a:prstGeom prst="line">
+              <a:avLst/>
+            </a:prstGeom>
+          </p:spPr>
+          <p:style>
+            <a:lnRef idx="2">
+              <a:schemeClr val="dk1"/>
+            </a:lnRef>
+            <a:fillRef idx="0">
+              <a:schemeClr val="dk1"/>
+            </a:fillRef>
+            <a:effectRef idx="1">
+              <a:schemeClr val="dk1"/>
+            </a:effectRef>
+            <a:fontRef idx="minor">
+              <a:schemeClr val="tx1"/>
+            </a:fontRef>
+          </p:style>
+        </p:cxnSp>
+        <p:sp>
+          <p:nvSpPr>
+            <p:cNvPr id="35" name="椭圆 34">
+              <a:extLst>
+                <a:ext uri="{FF2B5EF4-FFF2-40B4-BE49-F238E27FC236}">
+                  <a16:creationId xmlns:a16="http://schemas.microsoft.com/office/drawing/2014/main" id="{E9D4FD31-07A6-0796-DA86-C95F4AB73A00}"/>
+                </a:ext>
+              </a:extLst>
+            </p:cNvPr>
+            <p:cNvSpPr/>
+            <p:nvPr/>
+          </p:nvSpPr>
+          <p:spPr>
+            <a:xfrm>
+              <a:off x="7473965" y="3698384"/>
+              <a:ext cx="212660" cy="207847"/>
+            </a:xfrm>
+            <a:prstGeom prst="ellipse">
+              <a:avLst/>
+            </a:prstGeom>
+            <a:noFill/>
+            <a:ln>
+              <a:solidFill>
+                <a:schemeClr val="tx1"/>
+              </a:solidFill>
+            </a:ln>
+          </p:spPr>
+          <p:style>
+            <a:lnRef idx="2">
+              <a:schemeClr val="accent1">
+                <a:shade val="15000"/>
+              </a:schemeClr>
+            </a:lnRef>
+            <a:fillRef idx="1">
+              <a:schemeClr val="accent1"/>
+            </a:fillRef>
+            <a:effectRef idx="0">
+              <a:schemeClr val="accent1"/>
+            </a:effectRef>
+            <a:fontRef idx="minor">
+              <a:schemeClr val="lt1"/>
+            </a:fontRef>
+          </p:style>
+          <p:txBody>
+            <a:bodyPr rtlCol="0" anchor="ctr"/>
+            <a:lstStyle/>
+            <a:p>
+              <a:pPr algn="ctr"/>
+              <a:endParaRPr lang="en-CH"/>
+            </a:p>
+          </p:txBody>
+        </p:sp>
+        <p:sp>
+          <p:nvSpPr>
+            <p:cNvPr id="36" name="椭圆 35">
+              <a:extLst>
+                <a:ext uri="{FF2B5EF4-FFF2-40B4-BE49-F238E27FC236}">
+                  <a16:creationId xmlns:a16="http://schemas.microsoft.com/office/drawing/2014/main" id="{2BE56E52-97D3-9166-A7AC-D72512AF6AE9}"/>
+                </a:ext>
+              </a:extLst>
+            </p:cNvPr>
+            <p:cNvSpPr/>
+            <p:nvPr/>
+          </p:nvSpPr>
+          <p:spPr>
+            <a:xfrm>
+              <a:off x="8393126" y="3684097"/>
+              <a:ext cx="212660" cy="207847"/>
+            </a:xfrm>
+            <a:prstGeom prst="ellipse">
+              <a:avLst/>
+            </a:prstGeom>
+            <a:noFill/>
+            <a:ln>
+              <a:solidFill>
+                <a:schemeClr val="tx1"/>
+              </a:solidFill>
+            </a:ln>
+          </p:spPr>
+          <p:style>
+            <a:lnRef idx="2">
+              <a:schemeClr val="accent1">
+                <a:shade val="15000"/>
+              </a:schemeClr>
+            </a:lnRef>
+            <a:fillRef idx="1">
+              <a:schemeClr val="accent1"/>
+            </a:fillRef>
+            <a:effectRef idx="0">
+              <a:schemeClr val="accent1"/>
+            </a:effectRef>
+            <a:fontRef idx="minor">
+              <a:schemeClr val="lt1"/>
+            </a:fontRef>
+          </p:style>
+          <p:txBody>
+            <a:bodyPr rtlCol="0" anchor="ctr"/>
+            <a:lstStyle/>
+            <a:p>
+              <a:pPr algn="ctr"/>
+              <a:endParaRPr lang="en-CH"/>
+            </a:p>
+          </p:txBody>
+        </p:sp>
+        <p:sp>
+          <p:nvSpPr>
+            <p:cNvPr id="37" name="椭圆 36">
+              <a:extLst>
+                <a:ext uri="{FF2B5EF4-FFF2-40B4-BE49-F238E27FC236}">
+                  <a16:creationId xmlns:a16="http://schemas.microsoft.com/office/drawing/2014/main" id="{D6B8CC93-1929-3CFE-D067-06A867EAC6F0}"/>
+                </a:ext>
+              </a:extLst>
+            </p:cNvPr>
+            <p:cNvSpPr/>
+            <p:nvPr/>
+          </p:nvSpPr>
+          <p:spPr>
+            <a:xfrm>
+              <a:off x="9359915" y="3667429"/>
+              <a:ext cx="212660" cy="207847"/>
+            </a:xfrm>
+            <a:prstGeom prst="ellipse">
+              <a:avLst/>
+            </a:prstGeom>
+            <a:noFill/>
+            <a:ln>
+              <a:solidFill>
+                <a:schemeClr val="tx1"/>
+              </a:solidFill>
+            </a:ln>
+          </p:spPr>
+          <p:style>
+            <a:lnRef idx="2">
+              <a:schemeClr val="accent1">
+                <a:shade val="15000"/>
+              </a:schemeClr>
+            </a:lnRef>
+            <a:fillRef idx="1">
+              <a:schemeClr val="accent1"/>
+            </a:fillRef>
+            <a:effectRef idx="0">
+              <a:schemeClr val="accent1"/>
+            </a:effectRef>
+            <a:fontRef idx="minor">
+              <a:schemeClr val="lt1"/>
+            </a:fontRef>
+          </p:style>
+          <p:txBody>
+            <a:bodyPr rtlCol="0" anchor="ctr"/>
+            <a:lstStyle/>
+            <a:p>
+              <a:pPr algn="ctr"/>
+              <a:endParaRPr lang="en-CH"/>
+            </a:p>
+          </p:txBody>
+        </p:sp>
+        <p:sp>
+          <p:nvSpPr>
+            <p:cNvPr id="38" name="椭圆 37">
+              <a:extLst>
+                <a:ext uri="{FF2B5EF4-FFF2-40B4-BE49-F238E27FC236}">
+                  <a16:creationId xmlns:a16="http://schemas.microsoft.com/office/drawing/2014/main" id="{B5830FD9-5CBA-A792-DEE2-F9F33DA911E3}"/>
+                </a:ext>
+              </a:extLst>
+            </p:cNvPr>
+            <p:cNvSpPr/>
+            <p:nvPr/>
+          </p:nvSpPr>
+          <p:spPr>
+            <a:xfrm>
+              <a:off x="10279078" y="3673145"/>
+              <a:ext cx="212660" cy="207847"/>
+            </a:xfrm>
+            <a:prstGeom prst="ellipse">
+              <a:avLst/>
+            </a:prstGeom>
+            <a:noFill/>
+            <a:ln>
+              <a:solidFill>
+                <a:schemeClr val="tx1"/>
+              </a:solidFill>
+            </a:ln>
+          </p:spPr>
+          <p:style>
+            <a:lnRef idx="2">
+              <a:schemeClr val="accent1">
+                <a:shade val="15000"/>
+              </a:schemeClr>
+            </a:lnRef>
+            <a:fillRef idx="1">
+              <a:schemeClr val="accent1"/>
+            </a:fillRef>
+            <a:effectRef idx="0">
+              <a:schemeClr val="accent1"/>
+            </a:effectRef>
+            <a:fontRef idx="minor">
+              <a:schemeClr val="lt1"/>
+            </a:fontRef>
+          </p:style>
+          <p:txBody>
+            <a:bodyPr rtlCol="0" anchor="ctr"/>
+            <a:lstStyle/>
+            <a:p>
+              <a:pPr algn="ctr"/>
+              <a:endParaRPr lang="en-CH"/>
+            </a:p>
+          </p:txBody>
+        </p:sp>
+        <p:sp>
+          <p:nvSpPr>
+            <p:cNvPr id="39" name="矩形 38">
+              <a:extLst>
+                <a:ext uri="{FF2B5EF4-FFF2-40B4-BE49-F238E27FC236}">
+                  <a16:creationId xmlns:a16="http://schemas.microsoft.com/office/drawing/2014/main" id="{3BA8D731-F442-F6D7-4839-70872CB59107}"/>
+                </a:ext>
+              </a:extLst>
+            </p:cNvPr>
+            <p:cNvSpPr/>
+            <p:nvPr/>
+          </p:nvSpPr>
+          <p:spPr>
+            <a:xfrm>
+              <a:off x="7580295" y="4858730"/>
+              <a:ext cx="942975" cy="952500"/>
+            </a:xfrm>
+            <a:prstGeom prst="rect">
+              <a:avLst/>
+            </a:prstGeom>
+            <a:ln/>
+          </p:spPr>
+          <p:style>
+            <a:lnRef idx="2">
+              <a:schemeClr val="dk1"/>
+            </a:lnRef>
+            <a:fillRef idx="1">
+              <a:schemeClr val="lt1"/>
+            </a:fillRef>
+            <a:effectRef idx="0">
+              <a:schemeClr val="dk1"/>
+            </a:effectRef>
+            <a:fontRef idx="minor">
+              <a:schemeClr val="dk1"/>
+            </a:fontRef>
+          </p:style>
+          <p:txBody>
+            <a:bodyPr rtlCol="0" anchor="ctr"/>
+            <a:lstStyle/>
+            <a:p>
+              <a:pPr algn="ctr"/>
+              <a:endParaRPr lang="en-CH"/>
+            </a:p>
+          </p:txBody>
+        </p:sp>
+        <p:sp>
+          <p:nvSpPr>
+            <p:cNvPr id="40" name="矩形 39">
+              <a:extLst>
+                <a:ext uri="{FF2B5EF4-FFF2-40B4-BE49-F238E27FC236}">
+                  <a16:creationId xmlns:a16="http://schemas.microsoft.com/office/drawing/2014/main" id="{E48BDFB3-CEFC-1D80-5EFF-70FB38A5058A}"/>
+                </a:ext>
+              </a:extLst>
+            </p:cNvPr>
+            <p:cNvSpPr/>
+            <p:nvPr/>
+          </p:nvSpPr>
+          <p:spPr>
+            <a:xfrm>
+              <a:off x="8523270" y="4858730"/>
+              <a:ext cx="942975" cy="952500"/>
+            </a:xfrm>
+            <a:prstGeom prst="rect">
+              <a:avLst/>
+            </a:prstGeom>
+            <a:ln/>
+          </p:spPr>
+          <p:style>
+            <a:lnRef idx="2">
+              <a:schemeClr val="dk1"/>
+            </a:lnRef>
+            <a:fillRef idx="1">
+              <a:schemeClr val="lt1"/>
+            </a:fillRef>
+            <a:effectRef idx="0">
+              <a:schemeClr val="dk1"/>
+            </a:effectRef>
+            <a:fontRef idx="minor">
+              <a:schemeClr val="dk1"/>
+            </a:fontRef>
+          </p:style>
+          <p:txBody>
+            <a:bodyPr rtlCol="0" anchor="ctr"/>
+            <a:lstStyle/>
+            <a:p>
+              <a:pPr algn="ctr"/>
+              <a:endParaRPr lang="en-CH"/>
+            </a:p>
+          </p:txBody>
+        </p:sp>
+        <p:sp>
+          <p:nvSpPr>
+            <p:cNvPr id="41" name="矩形 40">
+              <a:extLst>
+                <a:ext uri="{FF2B5EF4-FFF2-40B4-BE49-F238E27FC236}">
+                  <a16:creationId xmlns:a16="http://schemas.microsoft.com/office/drawing/2014/main" id="{CF25DE84-769E-3587-6963-717D7B59D07F}"/>
+                </a:ext>
+              </a:extLst>
+            </p:cNvPr>
+            <p:cNvSpPr/>
+            <p:nvPr/>
+          </p:nvSpPr>
+          <p:spPr>
+            <a:xfrm>
+              <a:off x="9466245" y="4858730"/>
+              <a:ext cx="942975" cy="952500"/>
+            </a:xfrm>
+            <a:prstGeom prst="rect">
+              <a:avLst/>
+            </a:prstGeom>
+            <a:ln/>
+          </p:spPr>
+          <p:style>
+            <a:lnRef idx="2">
+              <a:schemeClr val="dk1"/>
+            </a:lnRef>
+            <a:fillRef idx="1">
+              <a:schemeClr val="lt1"/>
+            </a:fillRef>
+            <a:effectRef idx="0">
+              <a:schemeClr val="dk1"/>
+            </a:effectRef>
+            <a:fontRef idx="minor">
+              <a:schemeClr val="dk1"/>
+            </a:fontRef>
+          </p:style>
+          <p:txBody>
+            <a:bodyPr rtlCol="0" anchor="ctr"/>
+            <a:lstStyle/>
+            <a:p>
+              <a:pPr algn="ctr"/>
+              <a:endParaRPr lang="en-CH"/>
+            </a:p>
+          </p:txBody>
+        </p:sp>
+        <p:cxnSp>
+          <p:nvCxnSpPr>
+            <p:cNvPr id="42" name="直接连接符 41">
+              <a:extLst>
+                <a:ext uri="{FF2B5EF4-FFF2-40B4-BE49-F238E27FC236}">
+                  <a16:creationId xmlns:a16="http://schemas.microsoft.com/office/drawing/2014/main" id="{50F3B83C-32F8-9F60-F19C-6B995C1CEBA3}"/>
+                </a:ext>
+              </a:extLst>
+            </p:cNvPr>
+            <p:cNvCxnSpPr>
+              <a:cxnSpLocks/>
+            </p:cNvCxnSpPr>
+            <p:nvPr/>
+          </p:nvCxnSpPr>
+          <p:spPr>
+            <a:xfrm>
+              <a:off x="7580295" y="4839681"/>
+              <a:ext cx="942975" cy="971549"/>
+            </a:xfrm>
+            <a:prstGeom prst="line">
+              <a:avLst/>
+            </a:prstGeom>
+          </p:spPr>
+          <p:style>
+            <a:lnRef idx="2">
+              <a:schemeClr val="dk1"/>
+            </a:lnRef>
+            <a:fillRef idx="0">
+              <a:schemeClr val="dk1"/>
+            </a:fillRef>
+            <a:effectRef idx="1">
+              <a:schemeClr val="dk1"/>
+            </a:effectRef>
+            <a:fontRef idx="minor">
+              <a:schemeClr val="tx1"/>
+            </a:fontRef>
+          </p:style>
+        </p:cxnSp>
+        <p:cxnSp>
+          <p:nvCxnSpPr>
+            <p:cNvPr id="43" name="直接连接符 42">
+              <a:extLst>
+                <a:ext uri="{FF2B5EF4-FFF2-40B4-BE49-F238E27FC236}">
+                  <a16:creationId xmlns:a16="http://schemas.microsoft.com/office/drawing/2014/main" id="{4DD7783C-4E2C-7BEA-AFF3-7EC9DAE4DA55}"/>
+                </a:ext>
+              </a:extLst>
+            </p:cNvPr>
+            <p:cNvCxnSpPr>
+              <a:cxnSpLocks/>
+            </p:cNvCxnSpPr>
+            <p:nvPr/>
+          </p:nvCxnSpPr>
+          <p:spPr>
+            <a:xfrm flipV="1">
+              <a:off x="7580295" y="4849206"/>
+              <a:ext cx="942975" cy="942975"/>
+            </a:xfrm>
+            <a:prstGeom prst="line">
+              <a:avLst/>
+            </a:prstGeom>
+          </p:spPr>
+          <p:style>
+            <a:lnRef idx="2">
+              <a:schemeClr val="dk1"/>
+            </a:lnRef>
+            <a:fillRef idx="0">
+              <a:schemeClr val="dk1"/>
+            </a:fillRef>
+            <a:effectRef idx="1">
+              <a:schemeClr val="dk1"/>
+            </a:effectRef>
+            <a:fontRef idx="minor">
+              <a:schemeClr val="tx1"/>
+            </a:fontRef>
+          </p:style>
+        </p:cxnSp>
+        <p:cxnSp>
+          <p:nvCxnSpPr>
+            <p:cNvPr id="44" name="直接连接符 43">
+              <a:extLst>
+                <a:ext uri="{FF2B5EF4-FFF2-40B4-BE49-F238E27FC236}">
+                  <a16:creationId xmlns:a16="http://schemas.microsoft.com/office/drawing/2014/main" id="{2297678B-47F4-8896-4548-7451F781BBA6}"/>
+                </a:ext>
+              </a:extLst>
+            </p:cNvPr>
+            <p:cNvCxnSpPr>
+              <a:cxnSpLocks/>
+            </p:cNvCxnSpPr>
+            <p:nvPr/>
+          </p:nvCxnSpPr>
+          <p:spPr>
+            <a:xfrm flipV="1">
+              <a:off x="8523269" y="4887304"/>
+              <a:ext cx="942975" cy="942975"/>
+            </a:xfrm>
+            <a:prstGeom prst="line">
+              <a:avLst/>
+            </a:prstGeom>
+          </p:spPr>
+          <p:style>
+            <a:lnRef idx="2">
+              <a:schemeClr val="dk1"/>
+            </a:lnRef>
+            <a:fillRef idx="0">
+              <a:schemeClr val="dk1"/>
+            </a:fillRef>
+            <a:effectRef idx="1">
+              <a:schemeClr val="dk1"/>
+            </a:effectRef>
+            <a:fontRef idx="minor">
+              <a:schemeClr val="tx1"/>
+            </a:fontRef>
+          </p:style>
+        </p:cxnSp>
+        <p:cxnSp>
+          <p:nvCxnSpPr>
+            <p:cNvPr id="45" name="直接连接符 44">
+              <a:extLst>
+                <a:ext uri="{FF2B5EF4-FFF2-40B4-BE49-F238E27FC236}">
+                  <a16:creationId xmlns:a16="http://schemas.microsoft.com/office/drawing/2014/main" id="{CB7FCE0D-D57B-0A91-6831-9AC713BDFAA2}"/>
+                </a:ext>
+              </a:extLst>
+            </p:cNvPr>
+            <p:cNvCxnSpPr>
+              <a:cxnSpLocks/>
+            </p:cNvCxnSpPr>
+            <p:nvPr/>
+          </p:nvCxnSpPr>
+          <p:spPr>
+            <a:xfrm>
+              <a:off x="8523268" y="4839681"/>
+              <a:ext cx="942975" cy="971549"/>
+            </a:xfrm>
+            <a:prstGeom prst="line">
+              <a:avLst/>
+            </a:prstGeom>
+          </p:spPr>
+          <p:style>
+            <a:lnRef idx="2">
+              <a:schemeClr val="dk1"/>
+            </a:lnRef>
+            <a:fillRef idx="0">
+              <a:schemeClr val="dk1"/>
+            </a:fillRef>
+            <a:effectRef idx="1">
+              <a:schemeClr val="dk1"/>
+            </a:effectRef>
+            <a:fontRef idx="minor">
+              <a:schemeClr val="tx1"/>
+            </a:fontRef>
+          </p:style>
+        </p:cxnSp>
+        <p:cxnSp>
+          <p:nvCxnSpPr>
+            <p:cNvPr id="46" name="直接连接符 45">
+              <a:extLst>
+                <a:ext uri="{FF2B5EF4-FFF2-40B4-BE49-F238E27FC236}">
+                  <a16:creationId xmlns:a16="http://schemas.microsoft.com/office/drawing/2014/main" id="{8BCA5660-2F7F-B6BA-DC2A-CD22C7815253}"/>
+                </a:ext>
+              </a:extLst>
+            </p:cNvPr>
+            <p:cNvCxnSpPr>
+              <a:cxnSpLocks/>
+            </p:cNvCxnSpPr>
+            <p:nvPr/>
+          </p:nvCxnSpPr>
+          <p:spPr>
+            <a:xfrm>
+              <a:off x="9490059" y="4873016"/>
+              <a:ext cx="942975" cy="971549"/>
+            </a:xfrm>
+            <a:prstGeom prst="line">
+              <a:avLst/>
+            </a:prstGeom>
+          </p:spPr>
+          <p:style>
+            <a:lnRef idx="2">
+              <a:schemeClr val="dk1"/>
+            </a:lnRef>
+            <a:fillRef idx="0">
+              <a:schemeClr val="dk1"/>
+            </a:fillRef>
+            <a:effectRef idx="1">
+              <a:schemeClr val="dk1"/>
+            </a:effectRef>
+            <a:fontRef idx="minor">
+              <a:schemeClr val="tx1"/>
+            </a:fontRef>
+          </p:style>
+        </p:cxnSp>
+        <p:cxnSp>
+          <p:nvCxnSpPr>
+            <p:cNvPr id="47" name="直接连接符 46">
+              <a:extLst>
+                <a:ext uri="{FF2B5EF4-FFF2-40B4-BE49-F238E27FC236}">
+                  <a16:creationId xmlns:a16="http://schemas.microsoft.com/office/drawing/2014/main" id="{7E5A9F00-8CC9-301E-4010-94FDA568A714}"/>
+                </a:ext>
+              </a:extLst>
+            </p:cNvPr>
+            <p:cNvCxnSpPr>
+              <a:cxnSpLocks/>
+            </p:cNvCxnSpPr>
+            <p:nvPr/>
+          </p:nvCxnSpPr>
+          <p:spPr>
+            <a:xfrm flipV="1">
+              <a:off x="9442431" y="4870636"/>
+              <a:ext cx="942975" cy="942975"/>
+            </a:xfrm>
+            <a:prstGeom prst="line">
+              <a:avLst/>
+            </a:prstGeom>
+          </p:spPr>
+          <p:style>
+            <a:lnRef idx="2">
+              <a:schemeClr val="dk1"/>
+            </a:lnRef>
+            <a:fillRef idx="0">
+              <a:schemeClr val="dk1"/>
+            </a:fillRef>
+            <a:effectRef idx="1">
+              <a:schemeClr val="dk1"/>
+            </a:effectRef>
+            <a:fontRef idx="minor">
+              <a:schemeClr val="tx1"/>
+            </a:fontRef>
+          </p:style>
+        </p:cxnSp>
+        <p:sp>
+          <p:nvSpPr>
+            <p:cNvPr id="48" name="椭圆 47">
+              <a:extLst>
+                <a:ext uri="{FF2B5EF4-FFF2-40B4-BE49-F238E27FC236}">
+                  <a16:creationId xmlns:a16="http://schemas.microsoft.com/office/drawing/2014/main" id="{1D8121D1-14BE-C700-01BC-02FD67CF2B22}"/>
+                </a:ext>
+              </a:extLst>
+            </p:cNvPr>
+            <p:cNvSpPr/>
+            <p:nvPr/>
+          </p:nvSpPr>
+          <p:spPr>
+            <a:xfrm>
+              <a:off x="7473963" y="4660408"/>
+              <a:ext cx="212660" cy="207847"/>
+            </a:xfrm>
+            <a:prstGeom prst="ellipse">
+              <a:avLst/>
+            </a:prstGeom>
+            <a:noFill/>
+            <a:ln>
+              <a:solidFill>
+                <a:schemeClr val="tx1"/>
+              </a:solidFill>
+            </a:ln>
+          </p:spPr>
+          <p:style>
+            <a:lnRef idx="2">
+              <a:schemeClr val="accent1">
+                <a:shade val="15000"/>
+              </a:schemeClr>
+            </a:lnRef>
+            <a:fillRef idx="1">
+              <a:schemeClr val="accent1"/>
+            </a:fillRef>
+            <a:effectRef idx="0">
+              <a:schemeClr val="accent1"/>
+            </a:effectRef>
+            <a:fontRef idx="minor">
+              <a:schemeClr val="lt1"/>
+            </a:fontRef>
+          </p:style>
+          <p:txBody>
+            <a:bodyPr rtlCol="0" anchor="ctr"/>
+            <a:lstStyle/>
+            <a:p>
+              <a:pPr algn="ctr"/>
+              <a:endParaRPr lang="en-CH"/>
+            </a:p>
+          </p:txBody>
+        </p:sp>
+        <p:sp>
+          <p:nvSpPr>
+            <p:cNvPr id="49" name="椭圆 48">
+              <a:extLst>
+                <a:ext uri="{FF2B5EF4-FFF2-40B4-BE49-F238E27FC236}">
+                  <a16:creationId xmlns:a16="http://schemas.microsoft.com/office/drawing/2014/main" id="{8EA27372-DFC9-90BC-2961-61370C593640}"/>
+                </a:ext>
+              </a:extLst>
+            </p:cNvPr>
+            <p:cNvSpPr/>
+            <p:nvPr/>
+          </p:nvSpPr>
+          <p:spPr>
+            <a:xfrm>
+              <a:off x="8393124" y="4646121"/>
+              <a:ext cx="212660" cy="207847"/>
+            </a:xfrm>
+            <a:prstGeom prst="ellipse">
+              <a:avLst/>
+            </a:prstGeom>
+            <a:noFill/>
+            <a:ln>
+              <a:solidFill>
+                <a:schemeClr val="tx1"/>
+              </a:solidFill>
+            </a:ln>
+          </p:spPr>
+          <p:style>
+            <a:lnRef idx="2">
+              <a:schemeClr val="accent1">
+                <a:shade val="15000"/>
+              </a:schemeClr>
+            </a:lnRef>
+            <a:fillRef idx="1">
+              <a:schemeClr val="accent1"/>
+            </a:fillRef>
+            <a:effectRef idx="0">
+              <a:schemeClr val="accent1"/>
+            </a:effectRef>
+            <a:fontRef idx="minor">
+              <a:schemeClr val="lt1"/>
+            </a:fontRef>
+          </p:style>
+          <p:txBody>
+            <a:bodyPr rtlCol="0" anchor="ctr"/>
+            <a:lstStyle/>
+            <a:p>
+              <a:pPr algn="ctr"/>
+              <a:endParaRPr lang="en-CH"/>
+            </a:p>
+          </p:txBody>
+        </p:sp>
+        <p:sp>
+          <p:nvSpPr>
+            <p:cNvPr id="50" name="椭圆 49">
+              <a:extLst>
+                <a:ext uri="{FF2B5EF4-FFF2-40B4-BE49-F238E27FC236}">
+                  <a16:creationId xmlns:a16="http://schemas.microsoft.com/office/drawing/2014/main" id="{2C1F76EC-DDAC-21E0-9A54-53359B346CBA}"/>
+                </a:ext>
+              </a:extLst>
+            </p:cNvPr>
+            <p:cNvSpPr/>
+            <p:nvPr/>
+          </p:nvSpPr>
+          <p:spPr>
+            <a:xfrm>
+              <a:off x="9359913" y="4629453"/>
+              <a:ext cx="212660" cy="207847"/>
+            </a:xfrm>
+            <a:prstGeom prst="ellipse">
+              <a:avLst/>
+            </a:prstGeom>
+            <a:noFill/>
+            <a:ln>
+              <a:solidFill>
+                <a:schemeClr val="tx1"/>
+              </a:solidFill>
+            </a:ln>
+          </p:spPr>
+          <p:style>
+            <a:lnRef idx="2">
+              <a:schemeClr val="accent1">
+                <a:shade val="15000"/>
+              </a:schemeClr>
+            </a:lnRef>
+            <a:fillRef idx="1">
+              <a:schemeClr val="accent1"/>
+            </a:fillRef>
+            <a:effectRef idx="0">
+              <a:schemeClr val="accent1"/>
+            </a:effectRef>
+            <a:fontRef idx="minor">
+              <a:schemeClr val="lt1"/>
+            </a:fontRef>
+          </p:style>
+          <p:txBody>
+            <a:bodyPr rtlCol="0" anchor="ctr"/>
+            <a:lstStyle/>
+            <a:p>
+              <a:pPr algn="ctr"/>
+              <a:endParaRPr lang="en-CH"/>
+            </a:p>
+          </p:txBody>
+        </p:sp>
+        <p:sp>
+          <p:nvSpPr>
+            <p:cNvPr id="51" name="椭圆 50">
+              <a:extLst>
+                <a:ext uri="{FF2B5EF4-FFF2-40B4-BE49-F238E27FC236}">
+                  <a16:creationId xmlns:a16="http://schemas.microsoft.com/office/drawing/2014/main" id="{BFE4545B-1D58-C205-92E5-39D3E68E9223}"/>
+                </a:ext>
+              </a:extLst>
+            </p:cNvPr>
+            <p:cNvSpPr/>
+            <p:nvPr/>
+          </p:nvSpPr>
+          <p:spPr>
+            <a:xfrm>
+              <a:off x="10279076" y="4635169"/>
+              <a:ext cx="212660" cy="207847"/>
+            </a:xfrm>
+            <a:prstGeom prst="ellipse">
+              <a:avLst/>
+            </a:prstGeom>
+            <a:noFill/>
+            <a:ln>
+              <a:solidFill>
+                <a:schemeClr val="tx1"/>
+              </a:solidFill>
+            </a:ln>
+          </p:spPr>
+          <p:style>
+            <a:lnRef idx="2">
+              <a:schemeClr val="accent1">
+                <a:shade val="15000"/>
+              </a:schemeClr>
+            </a:lnRef>
+            <a:fillRef idx="1">
+              <a:schemeClr val="accent1"/>
+            </a:fillRef>
+            <a:effectRef idx="0">
+              <a:schemeClr val="accent1"/>
+            </a:effectRef>
+            <a:fontRef idx="minor">
+              <a:schemeClr val="lt1"/>
+            </a:fontRef>
+          </p:style>
+          <p:txBody>
+            <a:bodyPr rtlCol="0" anchor="ctr"/>
+            <a:lstStyle/>
+            <a:p>
+              <a:pPr algn="ctr"/>
+              <a:endParaRPr lang="en-CH"/>
+            </a:p>
+          </p:txBody>
+        </p:sp>
+        <p:sp>
+          <p:nvSpPr>
+            <p:cNvPr id="52" name="箭头: 左右 51">
+              <a:extLst>
+                <a:ext uri="{FF2B5EF4-FFF2-40B4-BE49-F238E27FC236}">
+                  <a16:creationId xmlns:a16="http://schemas.microsoft.com/office/drawing/2014/main" id="{59ACABDB-B15B-3EF5-8CA3-0251D4B49217}"/>
+                </a:ext>
+              </a:extLst>
+            </p:cNvPr>
+            <p:cNvSpPr/>
+            <p:nvPr/>
+          </p:nvSpPr>
+          <p:spPr>
+            <a:xfrm>
+              <a:off x="5158091" y="3992417"/>
+              <a:ext cx="1972508" cy="808698"/>
+            </a:xfrm>
+            <a:prstGeom prst="leftRightArrow">
+              <a:avLst>
+                <a:gd name="adj1" fmla="val 23259"/>
+                <a:gd name="adj2" fmla="val 50000"/>
+              </a:avLst>
+            </a:prstGeom>
+            <a:solidFill>
+              <a:schemeClr val="accent5">
+                <a:lumMod val="40000"/>
+                <a:lumOff val="60000"/>
+              </a:schemeClr>
+            </a:solidFill>
+          </p:spPr>
+          <p:style>
+            <a:lnRef idx="3">
+              <a:schemeClr val="lt1"/>
+            </a:lnRef>
+            <a:fillRef idx="1">
+              <a:schemeClr val="accent5"/>
+            </a:fillRef>
+            <a:effectRef idx="1">
+              <a:schemeClr val="accent5"/>
+            </a:effectRef>
+            <a:fontRef idx="minor">
+              <a:schemeClr val="lt1"/>
+            </a:fontRef>
+          </p:style>
+          <p:txBody>
+            <a:bodyPr rtlCol="0" anchor="ctr"/>
+            <a:lstStyle/>
+            <a:p>
+              <a:pPr algn="ctr"/>
+              <a:endParaRPr lang="en-CH"/>
+            </a:p>
+          </p:txBody>
+        </p:sp>
+      </p:grpSp>
     </p:spTree>
     <p:extLst>
       <p:ext uri="{BB962C8B-B14F-4D97-AF65-F5344CB8AC3E}">
         <p14:creationId xmlns:p14="http://schemas.microsoft.com/office/powerpoint/2010/main" val="2200305126"/>
+      </p:ext>
+    </p:extLst>
+  </p:cSld>
+  <p:clrMapOvr>
+    <a:masterClrMapping/>
+  </p:clrMapOvr>
+</p:sld>
+</file>
+
+<file path=ppt/slides/slide12.xml><?xml version="1.0" encoding="utf-8"?>
+<p:sld xmlns:a="http://schemas.openxmlformats.org/drawingml/2006/main" xmlns:r="http://schemas.openxmlformats.org/officeDocument/2006/relationships" xmlns:p="http://schemas.openxmlformats.org/presentationml/2006/main">
+  <p:cSld>
+    <p:spTree>
+      <p:nvGrpSpPr>
+        <p:cNvPr id="1" name=""/>
+        <p:cNvGrpSpPr/>
+        <p:nvPr/>
+      </p:nvGrpSpPr>
+      <p:grpSpPr>
+        <a:xfrm>
+          <a:off x="0" y="0"/>
+          <a:ext cx="0" cy="0"/>
+          <a:chOff x="0" y="0"/>
+          <a:chExt cx="0" cy="0"/>
+        </a:xfrm>
+      </p:grpSpPr>
+      <p:grpSp>
+        <p:nvGrpSpPr>
+          <p:cNvPr id="46" name="组合 45">
+            <a:extLst>
+              <a:ext uri="{FF2B5EF4-FFF2-40B4-BE49-F238E27FC236}">
+                <a16:creationId xmlns:a16="http://schemas.microsoft.com/office/drawing/2014/main" id="{B7E9EE59-8C24-9957-7551-C451F28BB5A6}"/>
+              </a:ext>
+            </a:extLst>
+          </p:cNvPr>
+          <p:cNvGrpSpPr/>
+          <p:nvPr/>
+        </p:nvGrpSpPr>
+        <p:grpSpPr>
+          <a:xfrm>
+            <a:off x="1805066" y="689546"/>
+            <a:ext cx="8581868" cy="5366479"/>
+            <a:chOff x="4154274" y="2420376"/>
+            <a:chExt cx="4712096" cy="3073154"/>
+          </a:xfrm>
+        </p:grpSpPr>
+        <p:sp>
+          <p:nvSpPr>
+            <p:cNvPr id="4" name="矩形 3">
+              <a:extLst>
+                <a:ext uri="{FF2B5EF4-FFF2-40B4-BE49-F238E27FC236}">
+                  <a16:creationId xmlns:a16="http://schemas.microsoft.com/office/drawing/2014/main" id="{70CFB8EA-4CBC-7FFC-1165-6D166708D879}"/>
+                </a:ext>
+              </a:extLst>
+            </p:cNvPr>
+            <p:cNvSpPr/>
+            <p:nvPr/>
+          </p:nvSpPr>
+          <p:spPr>
+            <a:xfrm>
+              <a:off x="5587869" y="4521981"/>
+              <a:ext cx="942975" cy="952500"/>
+            </a:xfrm>
+            <a:prstGeom prst="rect">
+              <a:avLst/>
+            </a:prstGeom>
+            <a:ln/>
+          </p:spPr>
+          <p:style>
+            <a:lnRef idx="2">
+              <a:schemeClr val="dk1"/>
+            </a:lnRef>
+            <a:fillRef idx="1">
+              <a:schemeClr val="lt1"/>
+            </a:fillRef>
+            <a:effectRef idx="0">
+              <a:schemeClr val="dk1"/>
+            </a:effectRef>
+            <a:fontRef idx="minor">
+              <a:schemeClr val="dk1"/>
+            </a:fontRef>
+          </p:style>
+          <p:txBody>
+            <a:bodyPr rtlCol="0" anchor="ctr"/>
+            <a:lstStyle/>
+            <a:p>
+              <a:pPr algn="ctr"/>
+              <a:endParaRPr lang="en-CH"/>
+            </a:p>
+          </p:txBody>
+        </p:sp>
+        <p:sp>
+          <p:nvSpPr>
+            <p:cNvPr id="5" name="矩形 4">
+              <a:extLst>
+                <a:ext uri="{FF2B5EF4-FFF2-40B4-BE49-F238E27FC236}">
+                  <a16:creationId xmlns:a16="http://schemas.microsoft.com/office/drawing/2014/main" id="{FBB7DF20-63CC-0C62-77E2-143500ABB165}"/>
+                </a:ext>
+              </a:extLst>
+            </p:cNvPr>
+            <p:cNvSpPr/>
+            <p:nvPr/>
+          </p:nvSpPr>
+          <p:spPr>
+            <a:xfrm>
+              <a:off x="6530844" y="4521981"/>
+              <a:ext cx="942975" cy="952500"/>
+            </a:xfrm>
+            <a:prstGeom prst="rect">
+              <a:avLst/>
+            </a:prstGeom>
+            <a:ln/>
+          </p:spPr>
+          <p:style>
+            <a:lnRef idx="2">
+              <a:schemeClr val="dk1"/>
+            </a:lnRef>
+            <a:fillRef idx="1">
+              <a:schemeClr val="lt1"/>
+            </a:fillRef>
+            <a:effectRef idx="0">
+              <a:schemeClr val="dk1"/>
+            </a:effectRef>
+            <a:fontRef idx="minor">
+              <a:schemeClr val="dk1"/>
+            </a:fontRef>
+          </p:style>
+          <p:txBody>
+            <a:bodyPr rtlCol="0" anchor="ctr"/>
+            <a:lstStyle/>
+            <a:p>
+              <a:pPr algn="ctr"/>
+              <a:endParaRPr lang="en-CH"/>
+            </a:p>
+          </p:txBody>
+        </p:sp>
+        <p:cxnSp>
+          <p:nvCxnSpPr>
+            <p:cNvPr id="6" name="直接连接符 5">
+              <a:extLst>
+                <a:ext uri="{FF2B5EF4-FFF2-40B4-BE49-F238E27FC236}">
+                  <a16:creationId xmlns:a16="http://schemas.microsoft.com/office/drawing/2014/main" id="{F9FE2C97-8134-65F9-85E1-571D2B154921}"/>
+                </a:ext>
+              </a:extLst>
+            </p:cNvPr>
+            <p:cNvCxnSpPr/>
+            <p:nvPr/>
+          </p:nvCxnSpPr>
+          <p:spPr>
+            <a:xfrm>
+              <a:off x="5587869" y="4502932"/>
+              <a:ext cx="942975" cy="971549"/>
+            </a:xfrm>
+            <a:prstGeom prst="line">
+              <a:avLst/>
+            </a:prstGeom>
+          </p:spPr>
+          <p:style>
+            <a:lnRef idx="2">
+              <a:schemeClr val="dk1"/>
+            </a:lnRef>
+            <a:fillRef idx="0">
+              <a:schemeClr val="dk1"/>
+            </a:fillRef>
+            <a:effectRef idx="1">
+              <a:schemeClr val="dk1"/>
+            </a:effectRef>
+            <a:fontRef idx="minor">
+              <a:schemeClr val="tx1"/>
+            </a:fontRef>
+          </p:style>
+        </p:cxnSp>
+        <p:cxnSp>
+          <p:nvCxnSpPr>
+            <p:cNvPr id="7" name="直接连接符 6">
+              <a:extLst>
+                <a:ext uri="{FF2B5EF4-FFF2-40B4-BE49-F238E27FC236}">
+                  <a16:creationId xmlns:a16="http://schemas.microsoft.com/office/drawing/2014/main" id="{3A086357-0152-2E80-0BEB-901FCFA8F3B7}"/>
+                </a:ext>
+              </a:extLst>
+            </p:cNvPr>
+            <p:cNvCxnSpPr>
+              <a:cxnSpLocks/>
+            </p:cNvCxnSpPr>
+            <p:nvPr/>
+          </p:nvCxnSpPr>
+          <p:spPr>
+            <a:xfrm flipV="1">
+              <a:off x="5587869" y="4512457"/>
+              <a:ext cx="942975" cy="942975"/>
+            </a:xfrm>
+            <a:prstGeom prst="line">
+              <a:avLst/>
+            </a:prstGeom>
+          </p:spPr>
+          <p:style>
+            <a:lnRef idx="2">
+              <a:schemeClr val="dk1"/>
+            </a:lnRef>
+            <a:fillRef idx="0">
+              <a:schemeClr val="dk1"/>
+            </a:fillRef>
+            <a:effectRef idx="1">
+              <a:schemeClr val="dk1"/>
+            </a:effectRef>
+            <a:fontRef idx="minor">
+              <a:schemeClr val="tx1"/>
+            </a:fontRef>
+          </p:style>
+        </p:cxnSp>
+        <p:cxnSp>
+          <p:nvCxnSpPr>
+            <p:cNvPr id="8" name="直接连接符 7">
+              <a:extLst>
+                <a:ext uri="{FF2B5EF4-FFF2-40B4-BE49-F238E27FC236}">
+                  <a16:creationId xmlns:a16="http://schemas.microsoft.com/office/drawing/2014/main" id="{1525928D-31C0-674A-F3E1-2497EE7C08E6}"/>
+                </a:ext>
+              </a:extLst>
+            </p:cNvPr>
+            <p:cNvCxnSpPr>
+              <a:cxnSpLocks/>
+            </p:cNvCxnSpPr>
+            <p:nvPr/>
+          </p:nvCxnSpPr>
+          <p:spPr>
+            <a:xfrm flipV="1">
+              <a:off x="6530843" y="4550555"/>
+              <a:ext cx="942975" cy="942975"/>
+            </a:xfrm>
+            <a:prstGeom prst="line">
+              <a:avLst/>
+            </a:prstGeom>
+          </p:spPr>
+          <p:style>
+            <a:lnRef idx="2">
+              <a:schemeClr val="dk1"/>
+            </a:lnRef>
+            <a:fillRef idx="0">
+              <a:schemeClr val="dk1"/>
+            </a:fillRef>
+            <a:effectRef idx="1">
+              <a:schemeClr val="dk1"/>
+            </a:effectRef>
+            <a:fontRef idx="minor">
+              <a:schemeClr val="tx1"/>
+            </a:fontRef>
+          </p:style>
+        </p:cxnSp>
+        <p:cxnSp>
+          <p:nvCxnSpPr>
+            <p:cNvPr id="9" name="直接连接符 8">
+              <a:extLst>
+                <a:ext uri="{FF2B5EF4-FFF2-40B4-BE49-F238E27FC236}">
+                  <a16:creationId xmlns:a16="http://schemas.microsoft.com/office/drawing/2014/main" id="{83057624-0B7B-1B16-DA7F-1F3C721AA6A6}"/>
+                </a:ext>
+              </a:extLst>
+            </p:cNvPr>
+            <p:cNvCxnSpPr/>
+            <p:nvPr/>
+          </p:nvCxnSpPr>
+          <p:spPr>
+            <a:xfrm>
+              <a:off x="6530842" y="4502932"/>
+              <a:ext cx="942975" cy="971549"/>
+            </a:xfrm>
+            <a:prstGeom prst="line">
+              <a:avLst/>
+            </a:prstGeom>
+          </p:spPr>
+          <p:style>
+            <a:lnRef idx="2">
+              <a:schemeClr val="dk1"/>
+            </a:lnRef>
+            <a:fillRef idx="0">
+              <a:schemeClr val="dk1"/>
+            </a:fillRef>
+            <a:effectRef idx="1">
+              <a:schemeClr val="dk1"/>
+            </a:effectRef>
+            <a:fontRef idx="minor">
+              <a:schemeClr val="tx1"/>
+            </a:fontRef>
+          </p:style>
+        </p:cxnSp>
+        <p:sp>
+          <p:nvSpPr>
+            <p:cNvPr id="10" name="椭圆 9">
+              <a:extLst>
+                <a:ext uri="{FF2B5EF4-FFF2-40B4-BE49-F238E27FC236}">
+                  <a16:creationId xmlns:a16="http://schemas.microsoft.com/office/drawing/2014/main" id="{A9A2B200-92AE-E35E-1171-751DAA2CDC0D}"/>
+                </a:ext>
+              </a:extLst>
+            </p:cNvPr>
+            <p:cNvSpPr/>
+            <p:nvPr/>
+          </p:nvSpPr>
+          <p:spPr>
+            <a:xfrm>
+              <a:off x="5481537" y="4323659"/>
+              <a:ext cx="212660" cy="207847"/>
+            </a:xfrm>
+            <a:prstGeom prst="ellipse">
+              <a:avLst/>
+            </a:prstGeom>
+            <a:noFill/>
+            <a:ln>
+              <a:solidFill>
+                <a:schemeClr val="tx1"/>
+              </a:solidFill>
+            </a:ln>
+          </p:spPr>
+          <p:style>
+            <a:lnRef idx="2">
+              <a:schemeClr val="accent1">
+                <a:shade val="15000"/>
+              </a:schemeClr>
+            </a:lnRef>
+            <a:fillRef idx="1">
+              <a:schemeClr val="accent1"/>
+            </a:fillRef>
+            <a:effectRef idx="0">
+              <a:schemeClr val="accent1"/>
+            </a:effectRef>
+            <a:fontRef idx="minor">
+              <a:schemeClr val="lt1"/>
+            </a:fontRef>
+          </p:style>
+          <p:txBody>
+            <a:bodyPr rtlCol="0" anchor="ctr"/>
+            <a:lstStyle/>
+            <a:p>
+              <a:pPr algn="ctr"/>
+              <a:endParaRPr lang="en-CH"/>
+            </a:p>
+          </p:txBody>
+        </p:sp>
+        <p:sp>
+          <p:nvSpPr>
+            <p:cNvPr id="11" name="椭圆 10">
+              <a:extLst>
+                <a:ext uri="{FF2B5EF4-FFF2-40B4-BE49-F238E27FC236}">
+                  <a16:creationId xmlns:a16="http://schemas.microsoft.com/office/drawing/2014/main" id="{7D66612E-B43B-C70D-EF8A-DE93BECFE3E5}"/>
+                </a:ext>
+              </a:extLst>
+            </p:cNvPr>
+            <p:cNvSpPr/>
+            <p:nvPr/>
+          </p:nvSpPr>
+          <p:spPr>
+            <a:xfrm>
+              <a:off x="6400698" y="4309372"/>
+              <a:ext cx="212660" cy="207847"/>
+            </a:xfrm>
+            <a:prstGeom prst="ellipse">
+              <a:avLst/>
+            </a:prstGeom>
+            <a:noFill/>
+            <a:ln>
+              <a:solidFill>
+                <a:schemeClr val="tx1"/>
+              </a:solidFill>
+            </a:ln>
+          </p:spPr>
+          <p:style>
+            <a:lnRef idx="2">
+              <a:schemeClr val="accent1">
+                <a:shade val="15000"/>
+              </a:schemeClr>
+            </a:lnRef>
+            <a:fillRef idx="1">
+              <a:schemeClr val="accent1"/>
+            </a:fillRef>
+            <a:effectRef idx="0">
+              <a:schemeClr val="accent1"/>
+            </a:effectRef>
+            <a:fontRef idx="minor">
+              <a:schemeClr val="lt1"/>
+            </a:fontRef>
+          </p:style>
+          <p:txBody>
+            <a:bodyPr rtlCol="0" anchor="ctr"/>
+            <a:lstStyle/>
+            <a:p>
+              <a:pPr algn="ctr"/>
+              <a:endParaRPr lang="en-CH"/>
+            </a:p>
+          </p:txBody>
+        </p:sp>
+        <p:sp>
+          <p:nvSpPr>
+            <p:cNvPr id="12" name="椭圆 11">
+              <a:extLst>
+                <a:ext uri="{FF2B5EF4-FFF2-40B4-BE49-F238E27FC236}">
+                  <a16:creationId xmlns:a16="http://schemas.microsoft.com/office/drawing/2014/main" id="{865B3A2D-7B7F-35F9-2A52-050EBC2FB292}"/>
+                </a:ext>
+              </a:extLst>
+            </p:cNvPr>
+            <p:cNvSpPr/>
+            <p:nvPr/>
+          </p:nvSpPr>
+          <p:spPr>
+            <a:xfrm>
+              <a:off x="7367487" y="4292704"/>
+              <a:ext cx="212660" cy="207847"/>
+            </a:xfrm>
+            <a:prstGeom prst="ellipse">
+              <a:avLst/>
+            </a:prstGeom>
+            <a:noFill/>
+            <a:ln>
+              <a:solidFill>
+                <a:schemeClr val="tx1"/>
+              </a:solidFill>
+            </a:ln>
+          </p:spPr>
+          <p:style>
+            <a:lnRef idx="2">
+              <a:schemeClr val="accent1">
+                <a:shade val="15000"/>
+              </a:schemeClr>
+            </a:lnRef>
+            <a:fillRef idx="1">
+              <a:schemeClr val="accent1"/>
+            </a:fillRef>
+            <a:effectRef idx="0">
+              <a:schemeClr val="accent1"/>
+            </a:effectRef>
+            <a:fontRef idx="minor">
+              <a:schemeClr val="lt1"/>
+            </a:fontRef>
+          </p:style>
+          <p:txBody>
+            <a:bodyPr rtlCol="0" anchor="ctr"/>
+            <a:lstStyle/>
+            <a:p>
+              <a:pPr algn="ctr"/>
+              <a:endParaRPr lang="en-CH"/>
+            </a:p>
+          </p:txBody>
+        </p:sp>
+        <p:sp>
+          <p:nvSpPr>
+            <p:cNvPr id="13" name="椭圆 12">
+              <a:extLst>
+                <a:ext uri="{FF2B5EF4-FFF2-40B4-BE49-F238E27FC236}">
+                  <a16:creationId xmlns:a16="http://schemas.microsoft.com/office/drawing/2014/main" id="{9B2B3188-5F95-4618-17B2-6ACFFC1D3E04}"/>
+                </a:ext>
+              </a:extLst>
+            </p:cNvPr>
+            <p:cNvSpPr/>
+            <p:nvPr/>
+          </p:nvSpPr>
+          <p:spPr>
+            <a:xfrm>
+              <a:off x="5481535" y="5273778"/>
+              <a:ext cx="212660" cy="207847"/>
+            </a:xfrm>
+            <a:prstGeom prst="ellipse">
+              <a:avLst/>
+            </a:prstGeom>
+            <a:noFill/>
+            <a:ln>
+              <a:solidFill>
+                <a:schemeClr val="tx1"/>
+              </a:solidFill>
+            </a:ln>
+          </p:spPr>
+          <p:style>
+            <a:lnRef idx="2">
+              <a:schemeClr val="accent1">
+                <a:shade val="15000"/>
+              </a:schemeClr>
+            </a:lnRef>
+            <a:fillRef idx="1">
+              <a:schemeClr val="accent1"/>
+            </a:fillRef>
+            <a:effectRef idx="0">
+              <a:schemeClr val="accent1"/>
+            </a:effectRef>
+            <a:fontRef idx="minor">
+              <a:schemeClr val="lt1"/>
+            </a:fontRef>
+          </p:style>
+          <p:txBody>
+            <a:bodyPr rtlCol="0" anchor="ctr"/>
+            <a:lstStyle/>
+            <a:p>
+              <a:pPr algn="ctr"/>
+              <a:endParaRPr lang="en-CH"/>
+            </a:p>
+          </p:txBody>
+        </p:sp>
+        <p:sp>
+          <p:nvSpPr>
+            <p:cNvPr id="14" name="椭圆 13">
+              <a:extLst>
+                <a:ext uri="{FF2B5EF4-FFF2-40B4-BE49-F238E27FC236}">
+                  <a16:creationId xmlns:a16="http://schemas.microsoft.com/office/drawing/2014/main" id="{3FBD0BFC-747B-0E7C-E49C-44B7E2C92E1B}"/>
+                </a:ext>
+              </a:extLst>
+            </p:cNvPr>
+            <p:cNvSpPr/>
+            <p:nvPr/>
+          </p:nvSpPr>
+          <p:spPr>
+            <a:xfrm>
+              <a:off x="6400696" y="5259491"/>
+              <a:ext cx="212660" cy="207847"/>
+            </a:xfrm>
+            <a:prstGeom prst="ellipse">
+              <a:avLst/>
+            </a:prstGeom>
+            <a:noFill/>
+            <a:ln>
+              <a:solidFill>
+                <a:schemeClr val="tx1"/>
+              </a:solidFill>
+            </a:ln>
+          </p:spPr>
+          <p:style>
+            <a:lnRef idx="2">
+              <a:schemeClr val="accent1">
+                <a:shade val="15000"/>
+              </a:schemeClr>
+            </a:lnRef>
+            <a:fillRef idx="1">
+              <a:schemeClr val="accent1"/>
+            </a:fillRef>
+            <a:effectRef idx="0">
+              <a:schemeClr val="accent1"/>
+            </a:effectRef>
+            <a:fontRef idx="minor">
+              <a:schemeClr val="lt1"/>
+            </a:fontRef>
+          </p:style>
+          <p:txBody>
+            <a:bodyPr rtlCol="0" anchor="ctr"/>
+            <a:lstStyle/>
+            <a:p>
+              <a:pPr algn="ctr"/>
+              <a:endParaRPr lang="en-CH"/>
+            </a:p>
+          </p:txBody>
+        </p:sp>
+        <p:sp>
+          <p:nvSpPr>
+            <p:cNvPr id="15" name="椭圆 14">
+              <a:extLst>
+                <a:ext uri="{FF2B5EF4-FFF2-40B4-BE49-F238E27FC236}">
+                  <a16:creationId xmlns:a16="http://schemas.microsoft.com/office/drawing/2014/main" id="{B7CF0A70-C6C8-81AE-9FB3-AA98EC1C4187}"/>
+                </a:ext>
+              </a:extLst>
+            </p:cNvPr>
+            <p:cNvSpPr/>
+            <p:nvPr/>
+          </p:nvSpPr>
+          <p:spPr>
+            <a:xfrm>
+              <a:off x="7367485" y="5242823"/>
+              <a:ext cx="212660" cy="207847"/>
+            </a:xfrm>
+            <a:prstGeom prst="ellipse">
+              <a:avLst/>
+            </a:prstGeom>
+            <a:noFill/>
+            <a:ln>
+              <a:solidFill>
+                <a:schemeClr val="tx1"/>
+              </a:solidFill>
+            </a:ln>
+          </p:spPr>
+          <p:style>
+            <a:lnRef idx="2">
+              <a:schemeClr val="accent1">
+                <a:shade val="15000"/>
+              </a:schemeClr>
+            </a:lnRef>
+            <a:fillRef idx="1">
+              <a:schemeClr val="accent1"/>
+            </a:fillRef>
+            <a:effectRef idx="0">
+              <a:schemeClr val="accent1"/>
+            </a:effectRef>
+            <a:fontRef idx="minor">
+              <a:schemeClr val="lt1"/>
+            </a:fontRef>
+          </p:style>
+          <p:txBody>
+            <a:bodyPr rtlCol="0" anchor="ctr"/>
+            <a:lstStyle/>
+            <a:p>
+              <a:pPr algn="ctr"/>
+              <a:endParaRPr lang="en-CH"/>
+            </a:p>
+          </p:txBody>
+        </p:sp>
+        <p:sp>
+          <p:nvSpPr>
+            <p:cNvPr id="16" name="矩形 15">
+              <a:extLst>
+                <a:ext uri="{FF2B5EF4-FFF2-40B4-BE49-F238E27FC236}">
+                  <a16:creationId xmlns:a16="http://schemas.microsoft.com/office/drawing/2014/main" id="{62D274CB-2228-D2B5-98F7-C046A3D529D4}"/>
+                </a:ext>
+              </a:extLst>
+            </p:cNvPr>
+            <p:cNvSpPr/>
+            <p:nvPr/>
+          </p:nvSpPr>
+          <p:spPr>
+            <a:xfrm>
+              <a:off x="4260608" y="2728429"/>
+              <a:ext cx="942975" cy="952500"/>
+            </a:xfrm>
+            <a:prstGeom prst="rect">
+              <a:avLst/>
+            </a:prstGeom>
+            <a:ln/>
+          </p:spPr>
+          <p:style>
+            <a:lnRef idx="2">
+              <a:schemeClr val="dk1"/>
+            </a:lnRef>
+            <a:fillRef idx="1">
+              <a:schemeClr val="lt1"/>
+            </a:fillRef>
+            <a:effectRef idx="0">
+              <a:schemeClr val="dk1"/>
+            </a:effectRef>
+            <a:fontRef idx="minor">
+              <a:schemeClr val="dk1"/>
+            </a:fontRef>
+          </p:style>
+          <p:txBody>
+            <a:bodyPr rtlCol="0" anchor="ctr"/>
+            <a:lstStyle/>
+            <a:p>
+              <a:pPr algn="ctr"/>
+              <a:endParaRPr lang="en-CH"/>
+            </a:p>
+          </p:txBody>
+        </p:sp>
+        <p:cxnSp>
+          <p:nvCxnSpPr>
+            <p:cNvPr id="17" name="直接连接符 16">
+              <a:extLst>
+                <a:ext uri="{FF2B5EF4-FFF2-40B4-BE49-F238E27FC236}">
+                  <a16:creationId xmlns:a16="http://schemas.microsoft.com/office/drawing/2014/main" id="{E0674F59-E5A4-8210-3C0F-C39E0D7DDCE9}"/>
+                </a:ext>
+              </a:extLst>
+            </p:cNvPr>
+            <p:cNvCxnSpPr/>
+            <p:nvPr/>
+          </p:nvCxnSpPr>
+          <p:spPr>
+            <a:xfrm>
+              <a:off x="4260608" y="2709380"/>
+              <a:ext cx="942975" cy="971549"/>
+            </a:xfrm>
+            <a:prstGeom prst="line">
+              <a:avLst/>
+            </a:prstGeom>
+          </p:spPr>
+          <p:style>
+            <a:lnRef idx="2">
+              <a:schemeClr val="dk1"/>
+            </a:lnRef>
+            <a:fillRef idx="0">
+              <a:schemeClr val="dk1"/>
+            </a:fillRef>
+            <a:effectRef idx="1">
+              <a:schemeClr val="dk1"/>
+            </a:effectRef>
+            <a:fontRef idx="minor">
+              <a:schemeClr val="tx1"/>
+            </a:fontRef>
+          </p:style>
+        </p:cxnSp>
+        <p:cxnSp>
+          <p:nvCxnSpPr>
+            <p:cNvPr id="18" name="直接连接符 17">
+              <a:extLst>
+                <a:ext uri="{FF2B5EF4-FFF2-40B4-BE49-F238E27FC236}">
+                  <a16:creationId xmlns:a16="http://schemas.microsoft.com/office/drawing/2014/main" id="{A9DA54FE-8426-EE4A-DDDB-657DF06E913C}"/>
+                </a:ext>
+              </a:extLst>
+            </p:cNvPr>
+            <p:cNvCxnSpPr>
+              <a:cxnSpLocks/>
+            </p:cNvCxnSpPr>
+            <p:nvPr/>
+          </p:nvCxnSpPr>
+          <p:spPr>
+            <a:xfrm flipV="1">
+              <a:off x="4260608" y="2718905"/>
+              <a:ext cx="942975" cy="942975"/>
+            </a:xfrm>
+            <a:prstGeom prst="line">
+              <a:avLst/>
+            </a:prstGeom>
+          </p:spPr>
+          <p:style>
+            <a:lnRef idx="2">
+              <a:schemeClr val="dk1"/>
+            </a:lnRef>
+            <a:fillRef idx="0">
+              <a:schemeClr val="dk1"/>
+            </a:fillRef>
+            <a:effectRef idx="1">
+              <a:schemeClr val="dk1"/>
+            </a:effectRef>
+            <a:fontRef idx="minor">
+              <a:schemeClr val="tx1"/>
+            </a:fontRef>
+          </p:style>
+        </p:cxnSp>
+        <p:sp>
+          <p:nvSpPr>
+            <p:cNvPr id="19" name="椭圆 18">
+              <a:extLst>
+                <a:ext uri="{FF2B5EF4-FFF2-40B4-BE49-F238E27FC236}">
+                  <a16:creationId xmlns:a16="http://schemas.microsoft.com/office/drawing/2014/main" id="{D76EBF92-7278-9FAD-05AC-CEAB8546FFBC}"/>
+                </a:ext>
+              </a:extLst>
+            </p:cNvPr>
+            <p:cNvSpPr/>
+            <p:nvPr/>
+          </p:nvSpPr>
+          <p:spPr>
+            <a:xfrm>
+              <a:off x="4154276" y="2530107"/>
+              <a:ext cx="212660" cy="207847"/>
+            </a:xfrm>
+            <a:prstGeom prst="ellipse">
+              <a:avLst/>
+            </a:prstGeom>
+            <a:noFill/>
+            <a:ln>
+              <a:solidFill>
+                <a:schemeClr val="tx1"/>
+              </a:solidFill>
+            </a:ln>
+          </p:spPr>
+          <p:style>
+            <a:lnRef idx="2">
+              <a:schemeClr val="accent1">
+                <a:shade val="15000"/>
+              </a:schemeClr>
+            </a:lnRef>
+            <a:fillRef idx="1">
+              <a:schemeClr val="accent1"/>
+            </a:fillRef>
+            <a:effectRef idx="0">
+              <a:schemeClr val="accent1"/>
+            </a:effectRef>
+            <a:fontRef idx="minor">
+              <a:schemeClr val="lt1"/>
+            </a:fontRef>
+          </p:style>
+          <p:txBody>
+            <a:bodyPr rtlCol="0" anchor="ctr"/>
+            <a:lstStyle/>
+            <a:p>
+              <a:pPr algn="ctr"/>
+              <a:endParaRPr lang="en-CH"/>
+            </a:p>
+          </p:txBody>
+        </p:sp>
+        <p:sp>
+          <p:nvSpPr>
+            <p:cNvPr id="20" name="椭圆 19">
+              <a:extLst>
+                <a:ext uri="{FF2B5EF4-FFF2-40B4-BE49-F238E27FC236}">
+                  <a16:creationId xmlns:a16="http://schemas.microsoft.com/office/drawing/2014/main" id="{4EBC9AF5-FED3-1F74-32E2-93F1D94F4C99}"/>
+                </a:ext>
+              </a:extLst>
+            </p:cNvPr>
+            <p:cNvSpPr/>
+            <p:nvPr/>
+          </p:nvSpPr>
+          <p:spPr>
+            <a:xfrm>
+              <a:off x="5073437" y="2515820"/>
+              <a:ext cx="212660" cy="207847"/>
+            </a:xfrm>
+            <a:prstGeom prst="ellipse">
+              <a:avLst/>
+            </a:prstGeom>
+            <a:noFill/>
+            <a:ln>
+              <a:solidFill>
+                <a:schemeClr val="tx1"/>
+              </a:solidFill>
+            </a:ln>
+          </p:spPr>
+          <p:style>
+            <a:lnRef idx="2">
+              <a:schemeClr val="accent1">
+                <a:shade val="15000"/>
+              </a:schemeClr>
+            </a:lnRef>
+            <a:fillRef idx="1">
+              <a:schemeClr val="accent1"/>
+            </a:fillRef>
+            <a:effectRef idx="0">
+              <a:schemeClr val="accent1"/>
+            </a:effectRef>
+            <a:fontRef idx="minor">
+              <a:schemeClr val="lt1"/>
+            </a:fontRef>
+          </p:style>
+          <p:txBody>
+            <a:bodyPr rtlCol="0" anchor="ctr"/>
+            <a:lstStyle/>
+            <a:p>
+              <a:pPr algn="ctr"/>
+              <a:endParaRPr lang="en-CH"/>
+            </a:p>
+          </p:txBody>
+        </p:sp>
+        <p:sp>
+          <p:nvSpPr>
+            <p:cNvPr id="21" name="椭圆 20">
+              <a:extLst>
+                <a:ext uri="{FF2B5EF4-FFF2-40B4-BE49-F238E27FC236}">
+                  <a16:creationId xmlns:a16="http://schemas.microsoft.com/office/drawing/2014/main" id="{B39D94BE-BE65-9272-3EBA-BE93054FD64D}"/>
+                </a:ext>
+              </a:extLst>
+            </p:cNvPr>
+            <p:cNvSpPr/>
+            <p:nvPr/>
+          </p:nvSpPr>
+          <p:spPr>
+            <a:xfrm>
+              <a:off x="4154274" y="3480226"/>
+              <a:ext cx="212660" cy="207847"/>
+            </a:xfrm>
+            <a:prstGeom prst="ellipse">
+              <a:avLst/>
+            </a:prstGeom>
+            <a:noFill/>
+            <a:ln>
+              <a:solidFill>
+                <a:schemeClr val="tx1"/>
+              </a:solidFill>
+            </a:ln>
+          </p:spPr>
+          <p:style>
+            <a:lnRef idx="2">
+              <a:schemeClr val="accent1">
+                <a:shade val="15000"/>
+              </a:schemeClr>
+            </a:lnRef>
+            <a:fillRef idx="1">
+              <a:schemeClr val="accent1"/>
+            </a:fillRef>
+            <a:effectRef idx="0">
+              <a:schemeClr val="accent1"/>
+            </a:effectRef>
+            <a:fontRef idx="minor">
+              <a:schemeClr val="lt1"/>
+            </a:fontRef>
+          </p:style>
+          <p:txBody>
+            <a:bodyPr rtlCol="0" anchor="ctr"/>
+            <a:lstStyle/>
+            <a:p>
+              <a:pPr algn="ctr"/>
+              <a:endParaRPr lang="en-CH"/>
+            </a:p>
+          </p:txBody>
+        </p:sp>
+        <p:sp>
+          <p:nvSpPr>
+            <p:cNvPr id="22" name="椭圆 21">
+              <a:extLst>
+                <a:ext uri="{FF2B5EF4-FFF2-40B4-BE49-F238E27FC236}">
+                  <a16:creationId xmlns:a16="http://schemas.microsoft.com/office/drawing/2014/main" id="{5D6E30E6-8E3D-0EF2-9951-B58DA9EAD7FD}"/>
+                </a:ext>
+              </a:extLst>
+            </p:cNvPr>
+            <p:cNvSpPr/>
+            <p:nvPr/>
+          </p:nvSpPr>
+          <p:spPr>
+            <a:xfrm>
+              <a:off x="5073435" y="3465939"/>
+              <a:ext cx="212660" cy="207847"/>
+            </a:xfrm>
+            <a:prstGeom prst="ellipse">
+              <a:avLst/>
+            </a:prstGeom>
+            <a:noFill/>
+            <a:ln>
+              <a:solidFill>
+                <a:schemeClr val="tx1"/>
+              </a:solidFill>
+            </a:ln>
+          </p:spPr>
+          <p:style>
+            <a:lnRef idx="2">
+              <a:schemeClr val="accent1">
+                <a:shade val="15000"/>
+              </a:schemeClr>
+            </a:lnRef>
+            <a:fillRef idx="1">
+              <a:schemeClr val="accent1"/>
+            </a:fillRef>
+            <a:effectRef idx="0">
+              <a:schemeClr val="accent1"/>
+            </a:effectRef>
+            <a:fontRef idx="minor">
+              <a:schemeClr val="lt1"/>
+            </a:fontRef>
+          </p:style>
+          <p:txBody>
+            <a:bodyPr rtlCol="0" anchor="ctr"/>
+            <a:lstStyle/>
+            <a:p>
+              <a:pPr algn="ctr"/>
+              <a:endParaRPr lang="en-CH"/>
+            </a:p>
+          </p:txBody>
+        </p:sp>
+        <p:sp>
+          <p:nvSpPr>
+            <p:cNvPr id="23" name="矩形 22">
+              <a:extLst>
+                <a:ext uri="{FF2B5EF4-FFF2-40B4-BE49-F238E27FC236}">
+                  <a16:creationId xmlns:a16="http://schemas.microsoft.com/office/drawing/2014/main" id="{EA42EF5D-048C-930C-9A2B-257A074DCFCA}"/>
+                </a:ext>
+              </a:extLst>
+            </p:cNvPr>
+            <p:cNvSpPr/>
+            <p:nvPr/>
+          </p:nvSpPr>
+          <p:spPr>
+            <a:xfrm>
+              <a:off x="7840881" y="2632985"/>
+              <a:ext cx="942975" cy="952500"/>
+            </a:xfrm>
+            <a:prstGeom prst="rect">
+              <a:avLst/>
+            </a:prstGeom>
+            <a:ln/>
+          </p:spPr>
+          <p:style>
+            <a:lnRef idx="2">
+              <a:schemeClr val="dk1"/>
+            </a:lnRef>
+            <a:fillRef idx="1">
+              <a:schemeClr val="lt1"/>
+            </a:fillRef>
+            <a:effectRef idx="0">
+              <a:schemeClr val="dk1"/>
+            </a:effectRef>
+            <a:fontRef idx="minor">
+              <a:schemeClr val="dk1"/>
+            </a:fontRef>
+          </p:style>
+          <p:txBody>
+            <a:bodyPr rtlCol="0" anchor="ctr"/>
+            <a:lstStyle/>
+            <a:p>
+              <a:pPr algn="ctr"/>
+              <a:endParaRPr lang="en-CH"/>
+            </a:p>
+          </p:txBody>
+        </p:sp>
+        <p:cxnSp>
+          <p:nvCxnSpPr>
+            <p:cNvPr id="24" name="直接连接符 23">
+              <a:extLst>
+                <a:ext uri="{FF2B5EF4-FFF2-40B4-BE49-F238E27FC236}">
+                  <a16:creationId xmlns:a16="http://schemas.microsoft.com/office/drawing/2014/main" id="{DBB58F1C-E394-E9AD-FEEC-F88844991ED9}"/>
+                </a:ext>
+              </a:extLst>
+            </p:cNvPr>
+            <p:cNvCxnSpPr/>
+            <p:nvPr/>
+          </p:nvCxnSpPr>
+          <p:spPr>
+            <a:xfrm>
+              <a:off x="7840881" y="2613936"/>
+              <a:ext cx="942975" cy="971549"/>
+            </a:xfrm>
+            <a:prstGeom prst="line">
+              <a:avLst/>
+            </a:prstGeom>
+          </p:spPr>
+          <p:style>
+            <a:lnRef idx="2">
+              <a:schemeClr val="dk1"/>
+            </a:lnRef>
+            <a:fillRef idx="0">
+              <a:schemeClr val="dk1"/>
+            </a:fillRef>
+            <a:effectRef idx="1">
+              <a:schemeClr val="dk1"/>
+            </a:effectRef>
+            <a:fontRef idx="minor">
+              <a:schemeClr val="tx1"/>
+            </a:fontRef>
+          </p:style>
+        </p:cxnSp>
+        <p:cxnSp>
+          <p:nvCxnSpPr>
+            <p:cNvPr id="25" name="直接连接符 24">
+              <a:extLst>
+                <a:ext uri="{FF2B5EF4-FFF2-40B4-BE49-F238E27FC236}">
+                  <a16:creationId xmlns:a16="http://schemas.microsoft.com/office/drawing/2014/main" id="{4C0755BD-4F45-38BD-F7B3-B1DF0A7F0B84}"/>
+                </a:ext>
+              </a:extLst>
+            </p:cNvPr>
+            <p:cNvCxnSpPr>
+              <a:cxnSpLocks/>
+            </p:cNvCxnSpPr>
+            <p:nvPr/>
+          </p:nvCxnSpPr>
+          <p:spPr>
+            <a:xfrm flipV="1">
+              <a:off x="7840881" y="2623461"/>
+              <a:ext cx="942975" cy="942975"/>
+            </a:xfrm>
+            <a:prstGeom prst="line">
+              <a:avLst/>
+            </a:prstGeom>
+          </p:spPr>
+          <p:style>
+            <a:lnRef idx="2">
+              <a:schemeClr val="dk1"/>
+            </a:lnRef>
+            <a:fillRef idx="0">
+              <a:schemeClr val="dk1"/>
+            </a:fillRef>
+            <a:effectRef idx="1">
+              <a:schemeClr val="dk1"/>
+            </a:effectRef>
+            <a:fontRef idx="minor">
+              <a:schemeClr val="tx1"/>
+            </a:fontRef>
+          </p:style>
+        </p:cxnSp>
+        <p:sp>
+          <p:nvSpPr>
+            <p:cNvPr id="26" name="椭圆 25">
+              <a:extLst>
+                <a:ext uri="{FF2B5EF4-FFF2-40B4-BE49-F238E27FC236}">
+                  <a16:creationId xmlns:a16="http://schemas.microsoft.com/office/drawing/2014/main" id="{C3B76790-A6FF-0074-A449-9C9CBE3E0085}"/>
+                </a:ext>
+              </a:extLst>
+            </p:cNvPr>
+            <p:cNvSpPr/>
+            <p:nvPr/>
+          </p:nvSpPr>
+          <p:spPr>
+            <a:xfrm>
+              <a:off x="7734549" y="2434663"/>
+              <a:ext cx="212660" cy="207847"/>
+            </a:xfrm>
+            <a:prstGeom prst="ellipse">
+              <a:avLst/>
+            </a:prstGeom>
+            <a:noFill/>
+            <a:ln>
+              <a:solidFill>
+                <a:schemeClr val="tx1"/>
+              </a:solidFill>
+            </a:ln>
+          </p:spPr>
+          <p:style>
+            <a:lnRef idx="2">
+              <a:schemeClr val="accent1">
+                <a:shade val="15000"/>
+              </a:schemeClr>
+            </a:lnRef>
+            <a:fillRef idx="1">
+              <a:schemeClr val="accent1"/>
+            </a:fillRef>
+            <a:effectRef idx="0">
+              <a:schemeClr val="accent1"/>
+            </a:effectRef>
+            <a:fontRef idx="minor">
+              <a:schemeClr val="lt1"/>
+            </a:fontRef>
+          </p:style>
+          <p:txBody>
+            <a:bodyPr rtlCol="0" anchor="ctr"/>
+            <a:lstStyle/>
+            <a:p>
+              <a:pPr algn="ctr"/>
+              <a:endParaRPr lang="en-CH"/>
+            </a:p>
+          </p:txBody>
+        </p:sp>
+        <p:sp>
+          <p:nvSpPr>
+            <p:cNvPr id="27" name="椭圆 26">
+              <a:extLst>
+                <a:ext uri="{FF2B5EF4-FFF2-40B4-BE49-F238E27FC236}">
+                  <a16:creationId xmlns:a16="http://schemas.microsoft.com/office/drawing/2014/main" id="{7A7E128B-C000-9922-6DC1-4B0B4FE00FED}"/>
+                </a:ext>
+              </a:extLst>
+            </p:cNvPr>
+            <p:cNvSpPr/>
+            <p:nvPr/>
+          </p:nvSpPr>
+          <p:spPr>
+            <a:xfrm>
+              <a:off x="8653710" y="2420376"/>
+              <a:ext cx="212660" cy="207847"/>
+            </a:xfrm>
+            <a:prstGeom prst="ellipse">
+              <a:avLst/>
+            </a:prstGeom>
+            <a:noFill/>
+            <a:ln>
+              <a:solidFill>
+                <a:schemeClr val="tx1"/>
+              </a:solidFill>
+            </a:ln>
+          </p:spPr>
+          <p:style>
+            <a:lnRef idx="2">
+              <a:schemeClr val="accent1">
+                <a:shade val="15000"/>
+              </a:schemeClr>
+            </a:lnRef>
+            <a:fillRef idx="1">
+              <a:schemeClr val="accent1"/>
+            </a:fillRef>
+            <a:effectRef idx="0">
+              <a:schemeClr val="accent1"/>
+            </a:effectRef>
+            <a:fontRef idx="minor">
+              <a:schemeClr val="lt1"/>
+            </a:fontRef>
+          </p:style>
+          <p:txBody>
+            <a:bodyPr rtlCol="0" anchor="ctr"/>
+            <a:lstStyle/>
+            <a:p>
+              <a:pPr algn="ctr"/>
+              <a:endParaRPr lang="en-CH"/>
+            </a:p>
+          </p:txBody>
+        </p:sp>
+        <p:sp>
+          <p:nvSpPr>
+            <p:cNvPr id="28" name="椭圆 27">
+              <a:extLst>
+                <a:ext uri="{FF2B5EF4-FFF2-40B4-BE49-F238E27FC236}">
+                  <a16:creationId xmlns:a16="http://schemas.microsoft.com/office/drawing/2014/main" id="{C07E71FF-835E-65C3-D61E-4B4C37AF5DE9}"/>
+                </a:ext>
+              </a:extLst>
+            </p:cNvPr>
+            <p:cNvSpPr/>
+            <p:nvPr/>
+          </p:nvSpPr>
+          <p:spPr>
+            <a:xfrm>
+              <a:off x="7734547" y="3384782"/>
+              <a:ext cx="212660" cy="207847"/>
+            </a:xfrm>
+            <a:prstGeom prst="ellipse">
+              <a:avLst/>
+            </a:prstGeom>
+            <a:noFill/>
+            <a:ln>
+              <a:solidFill>
+                <a:schemeClr val="tx1"/>
+              </a:solidFill>
+            </a:ln>
+          </p:spPr>
+          <p:style>
+            <a:lnRef idx="2">
+              <a:schemeClr val="accent1">
+                <a:shade val="15000"/>
+              </a:schemeClr>
+            </a:lnRef>
+            <a:fillRef idx="1">
+              <a:schemeClr val="accent1"/>
+            </a:fillRef>
+            <a:effectRef idx="0">
+              <a:schemeClr val="accent1"/>
+            </a:effectRef>
+            <a:fontRef idx="minor">
+              <a:schemeClr val="lt1"/>
+            </a:fontRef>
+          </p:style>
+          <p:txBody>
+            <a:bodyPr rtlCol="0" anchor="ctr"/>
+            <a:lstStyle/>
+            <a:p>
+              <a:pPr algn="ctr"/>
+              <a:endParaRPr lang="en-CH"/>
+            </a:p>
+          </p:txBody>
+        </p:sp>
+        <p:sp>
+          <p:nvSpPr>
+            <p:cNvPr id="29" name="椭圆 28">
+              <a:extLst>
+                <a:ext uri="{FF2B5EF4-FFF2-40B4-BE49-F238E27FC236}">
+                  <a16:creationId xmlns:a16="http://schemas.microsoft.com/office/drawing/2014/main" id="{FEBBB867-E2A4-EA5E-B52E-8A8A8FE1CE2B}"/>
+                </a:ext>
+              </a:extLst>
+            </p:cNvPr>
+            <p:cNvSpPr/>
+            <p:nvPr/>
+          </p:nvSpPr>
+          <p:spPr>
+            <a:xfrm>
+              <a:off x="8653708" y="3370495"/>
+              <a:ext cx="212660" cy="207847"/>
+            </a:xfrm>
+            <a:prstGeom prst="ellipse">
+              <a:avLst/>
+            </a:prstGeom>
+            <a:noFill/>
+            <a:ln>
+              <a:solidFill>
+                <a:schemeClr val="tx1"/>
+              </a:solidFill>
+            </a:ln>
+          </p:spPr>
+          <p:style>
+            <a:lnRef idx="2">
+              <a:schemeClr val="accent1">
+                <a:shade val="15000"/>
+              </a:schemeClr>
+            </a:lnRef>
+            <a:fillRef idx="1">
+              <a:schemeClr val="accent1"/>
+            </a:fillRef>
+            <a:effectRef idx="0">
+              <a:schemeClr val="accent1"/>
+            </a:effectRef>
+            <a:fontRef idx="minor">
+              <a:schemeClr val="lt1"/>
+            </a:fontRef>
+          </p:style>
+          <p:txBody>
+            <a:bodyPr rtlCol="0" anchor="ctr"/>
+            <a:lstStyle/>
+            <a:p>
+              <a:pPr algn="ctr"/>
+              <a:endParaRPr lang="en-CH"/>
+            </a:p>
+          </p:txBody>
+        </p:sp>
+        <p:cxnSp>
+          <p:nvCxnSpPr>
+            <p:cNvPr id="30" name="直接箭头连接符 29">
+              <a:extLst>
+                <a:ext uri="{FF2B5EF4-FFF2-40B4-BE49-F238E27FC236}">
+                  <a16:creationId xmlns:a16="http://schemas.microsoft.com/office/drawing/2014/main" id="{F7F6B69A-2226-BCA3-5E55-14EE31DFDB27}"/>
+                </a:ext>
+              </a:extLst>
+            </p:cNvPr>
+            <p:cNvCxnSpPr>
+              <a:cxnSpLocks/>
+              <a:stCxn id="19" idx="4"/>
+              <a:endCxn id="10" idx="4"/>
+            </p:cNvCxnSpPr>
+            <p:nvPr/>
+          </p:nvCxnSpPr>
+          <p:spPr>
+            <a:xfrm>
+              <a:off x="4260606" y="2737954"/>
+              <a:ext cx="1327261" cy="1793552"/>
+            </a:xfrm>
+            <a:prstGeom prst="straightConnector1">
+              <a:avLst/>
+            </a:prstGeom>
+            <a:ln>
+              <a:tailEnd type="triangle"/>
+            </a:ln>
+          </p:spPr>
+          <p:style>
+            <a:lnRef idx="1">
+              <a:schemeClr val="accent1"/>
+            </a:lnRef>
+            <a:fillRef idx="0">
+              <a:schemeClr val="accent1"/>
+            </a:fillRef>
+            <a:effectRef idx="0">
+              <a:schemeClr val="accent1"/>
+            </a:effectRef>
+            <a:fontRef idx="minor">
+              <a:schemeClr val="tx1"/>
+            </a:fontRef>
+          </p:style>
+        </p:cxnSp>
+        <p:cxnSp>
+          <p:nvCxnSpPr>
+            <p:cNvPr id="31" name="直接箭头连接符 30">
+              <a:extLst>
+                <a:ext uri="{FF2B5EF4-FFF2-40B4-BE49-F238E27FC236}">
+                  <a16:creationId xmlns:a16="http://schemas.microsoft.com/office/drawing/2014/main" id="{66D2CD6D-E8D5-C170-7C40-D3A4CAEF9AB2}"/>
+                </a:ext>
+              </a:extLst>
+            </p:cNvPr>
+            <p:cNvCxnSpPr>
+              <a:cxnSpLocks/>
+              <a:stCxn id="16" idx="1"/>
+              <a:endCxn id="4" idx="1"/>
+            </p:cNvCxnSpPr>
+            <p:nvPr/>
+          </p:nvCxnSpPr>
+          <p:spPr>
+            <a:xfrm>
+              <a:off x="4260608" y="3204679"/>
+              <a:ext cx="1327261" cy="1793552"/>
+            </a:xfrm>
+            <a:prstGeom prst="straightConnector1">
+              <a:avLst/>
+            </a:prstGeom>
+            <a:ln>
+              <a:tailEnd type="triangle"/>
+            </a:ln>
+          </p:spPr>
+          <p:style>
+            <a:lnRef idx="1">
+              <a:schemeClr val="accent1"/>
+            </a:lnRef>
+            <a:fillRef idx="0">
+              <a:schemeClr val="accent1"/>
+            </a:fillRef>
+            <a:effectRef idx="0">
+              <a:schemeClr val="accent1"/>
+            </a:effectRef>
+            <a:fontRef idx="minor">
+              <a:schemeClr val="tx1"/>
+            </a:fontRef>
+          </p:style>
+        </p:cxnSp>
+        <p:cxnSp>
+          <p:nvCxnSpPr>
+            <p:cNvPr id="32" name="直接箭头连接符 31">
+              <a:extLst>
+                <a:ext uri="{FF2B5EF4-FFF2-40B4-BE49-F238E27FC236}">
+                  <a16:creationId xmlns:a16="http://schemas.microsoft.com/office/drawing/2014/main" id="{4530121D-4B69-83A5-3A81-58392A2B023F}"/>
+                </a:ext>
+              </a:extLst>
+            </p:cNvPr>
+            <p:cNvCxnSpPr>
+              <a:cxnSpLocks/>
+              <a:stCxn id="16" idx="3"/>
+              <a:endCxn id="5" idx="1"/>
+            </p:cNvCxnSpPr>
+            <p:nvPr/>
+          </p:nvCxnSpPr>
+          <p:spPr>
+            <a:xfrm>
+              <a:off x="5203583" y="3204679"/>
+              <a:ext cx="1327261" cy="1793552"/>
+            </a:xfrm>
+            <a:prstGeom prst="straightConnector1">
+              <a:avLst/>
+            </a:prstGeom>
+            <a:ln>
+              <a:tailEnd type="triangle"/>
+            </a:ln>
+          </p:spPr>
+          <p:style>
+            <a:lnRef idx="1">
+              <a:schemeClr val="accent1"/>
+            </a:lnRef>
+            <a:fillRef idx="0">
+              <a:schemeClr val="accent1"/>
+            </a:fillRef>
+            <a:effectRef idx="0">
+              <a:schemeClr val="accent1"/>
+            </a:effectRef>
+            <a:fontRef idx="minor">
+              <a:schemeClr val="tx1"/>
+            </a:fontRef>
+          </p:style>
+        </p:cxnSp>
+        <p:cxnSp>
+          <p:nvCxnSpPr>
+            <p:cNvPr id="33" name="直接箭头连接符 32">
+              <a:extLst>
+                <a:ext uri="{FF2B5EF4-FFF2-40B4-BE49-F238E27FC236}">
+                  <a16:creationId xmlns:a16="http://schemas.microsoft.com/office/drawing/2014/main" id="{E24532D3-69C7-E824-C737-9DFB40F56762}"/>
+                </a:ext>
+              </a:extLst>
+            </p:cNvPr>
+            <p:cNvCxnSpPr>
+              <a:cxnSpLocks/>
+              <a:stCxn id="23" idx="1"/>
+              <a:endCxn id="4" idx="3"/>
+            </p:cNvCxnSpPr>
+            <p:nvPr/>
+          </p:nvCxnSpPr>
+          <p:spPr>
+            <a:xfrm flipH="1">
+              <a:off x="6530844" y="3109235"/>
+              <a:ext cx="1310037" cy="1888996"/>
+            </a:xfrm>
+            <a:prstGeom prst="straightConnector1">
+              <a:avLst/>
+            </a:prstGeom>
+            <a:ln>
+              <a:tailEnd type="triangle"/>
+            </a:ln>
+          </p:spPr>
+          <p:style>
+            <a:lnRef idx="1">
+              <a:schemeClr val="accent1"/>
+            </a:lnRef>
+            <a:fillRef idx="0">
+              <a:schemeClr val="accent1"/>
+            </a:fillRef>
+            <a:effectRef idx="0">
+              <a:schemeClr val="accent1"/>
+            </a:effectRef>
+            <a:fontRef idx="minor">
+              <a:schemeClr val="tx1"/>
+            </a:fontRef>
+          </p:style>
+        </p:cxnSp>
+        <p:cxnSp>
+          <p:nvCxnSpPr>
+            <p:cNvPr id="34" name="直接箭头连接符 33">
+              <a:extLst>
+                <a:ext uri="{FF2B5EF4-FFF2-40B4-BE49-F238E27FC236}">
+                  <a16:creationId xmlns:a16="http://schemas.microsoft.com/office/drawing/2014/main" id="{5B589696-AAEB-1E38-ED9C-E96DC7A3B0DC}"/>
+                </a:ext>
+              </a:extLst>
+            </p:cNvPr>
+            <p:cNvCxnSpPr>
+              <a:cxnSpLocks/>
+              <a:stCxn id="28" idx="4"/>
+              <a:endCxn id="14" idx="4"/>
+            </p:cNvCxnSpPr>
+            <p:nvPr/>
+          </p:nvCxnSpPr>
+          <p:spPr>
+            <a:xfrm flipH="1">
+              <a:off x="6507026" y="3592629"/>
+              <a:ext cx="1333851" cy="1874709"/>
+            </a:xfrm>
+            <a:prstGeom prst="straightConnector1">
+              <a:avLst/>
+            </a:prstGeom>
+            <a:ln>
+              <a:tailEnd type="triangle"/>
+            </a:ln>
+          </p:spPr>
+          <p:style>
+            <a:lnRef idx="1">
+              <a:schemeClr val="accent1"/>
+            </a:lnRef>
+            <a:fillRef idx="0">
+              <a:schemeClr val="accent1"/>
+            </a:fillRef>
+            <a:effectRef idx="0">
+              <a:schemeClr val="accent1"/>
+            </a:effectRef>
+            <a:fontRef idx="minor">
+              <a:schemeClr val="tx1"/>
+            </a:fontRef>
+          </p:style>
+        </p:cxnSp>
+        <p:cxnSp>
+          <p:nvCxnSpPr>
+            <p:cNvPr id="35" name="直接箭头连接符 34">
+              <a:extLst>
+                <a:ext uri="{FF2B5EF4-FFF2-40B4-BE49-F238E27FC236}">
+                  <a16:creationId xmlns:a16="http://schemas.microsoft.com/office/drawing/2014/main" id="{03CAF3D5-68BA-302A-D357-1B4037173E73}"/>
+                </a:ext>
+              </a:extLst>
+            </p:cNvPr>
+            <p:cNvCxnSpPr>
+              <a:cxnSpLocks/>
+              <a:stCxn id="22" idx="4"/>
+              <a:endCxn id="14" idx="4"/>
+            </p:cNvCxnSpPr>
+            <p:nvPr/>
+          </p:nvCxnSpPr>
+          <p:spPr>
+            <a:xfrm>
+              <a:off x="5179765" y="3673786"/>
+              <a:ext cx="1327261" cy="1793552"/>
+            </a:xfrm>
+            <a:prstGeom prst="straightConnector1">
+              <a:avLst/>
+            </a:prstGeom>
+            <a:ln>
+              <a:tailEnd type="triangle"/>
+            </a:ln>
+          </p:spPr>
+          <p:style>
+            <a:lnRef idx="1">
+              <a:schemeClr val="accent1"/>
+            </a:lnRef>
+            <a:fillRef idx="0">
+              <a:schemeClr val="accent1"/>
+            </a:fillRef>
+            <a:effectRef idx="0">
+              <a:schemeClr val="accent1"/>
+            </a:effectRef>
+            <a:fontRef idx="minor">
+              <a:schemeClr val="tx1"/>
+            </a:fontRef>
+          </p:style>
+        </p:cxnSp>
+        <p:cxnSp>
+          <p:nvCxnSpPr>
+            <p:cNvPr id="36" name="直接箭头连接符 35">
+              <a:extLst>
+                <a:ext uri="{FF2B5EF4-FFF2-40B4-BE49-F238E27FC236}">
+                  <a16:creationId xmlns:a16="http://schemas.microsoft.com/office/drawing/2014/main" id="{5022B469-EEA9-A5BE-8AE3-B663EF68D4EA}"/>
+                </a:ext>
+              </a:extLst>
+            </p:cNvPr>
+            <p:cNvCxnSpPr>
+              <a:cxnSpLocks/>
+              <a:stCxn id="20" idx="4"/>
+              <a:endCxn id="11" idx="4"/>
+            </p:cNvCxnSpPr>
+            <p:nvPr/>
+          </p:nvCxnSpPr>
+          <p:spPr>
+            <a:xfrm>
+              <a:off x="5179767" y="2723667"/>
+              <a:ext cx="1327261" cy="1793552"/>
+            </a:xfrm>
+            <a:prstGeom prst="straightConnector1">
+              <a:avLst/>
+            </a:prstGeom>
+            <a:ln>
+              <a:tailEnd type="triangle"/>
+            </a:ln>
+          </p:spPr>
+          <p:style>
+            <a:lnRef idx="1">
+              <a:schemeClr val="accent1"/>
+            </a:lnRef>
+            <a:fillRef idx="0">
+              <a:schemeClr val="accent1"/>
+            </a:fillRef>
+            <a:effectRef idx="0">
+              <a:schemeClr val="accent1"/>
+            </a:effectRef>
+            <a:fontRef idx="minor">
+              <a:schemeClr val="tx1"/>
+            </a:fontRef>
+          </p:style>
+        </p:cxnSp>
+        <p:cxnSp>
+          <p:nvCxnSpPr>
+            <p:cNvPr id="37" name="直接箭头连接符 36">
+              <a:extLst>
+                <a:ext uri="{FF2B5EF4-FFF2-40B4-BE49-F238E27FC236}">
+                  <a16:creationId xmlns:a16="http://schemas.microsoft.com/office/drawing/2014/main" id="{2586C225-4377-878D-D9BD-BB160AE98FE0}"/>
+                </a:ext>
+              </a:extLst>
+            </p:cNvPr>
+            <p:cNvCxnSpPr>
+              <a:cxnSpLocks/>
+              <a:stCxn id="26" idx="5"/>
+              <a:endCxn id="11" idx="4"/>
+            </p:cNvCxnSpPr>
+            <p:nvPr/>
+          </p:nvCxnSpPr>
+          <p:spPr>
+            <a:xfrm flipH="1">
+              <a:off x="6507028" y="2612072"/>
+              <a:ext cx="1409038" cy="1905147"/>
+            </a:xfrm>
+            <a:prstGeom prst="straightConnector1">
+              <a:avLst/>
+            </a:prstGeom>
+            <a:ln>
+              <a:tailEnd type="triangle"/>
+            </a:ln>
+          </p:spPr>
+          <p:style>
+            <a:lnRef idx="1">
+              <a:schemeClr val="accent1"/>
+            </a:lnRef>
+            <a:fillRef idx="0">
+              <a:schemeClr val="accent1"/>
+            </a:fillRef>
+            <a:effectRef idx="0">
+              <a:schemeClr val="accent1"/>
+            </a:effectRef>
+            <a:fontRef idx="minor">
+              <a:schemeClr val="tx1"/>
+            </a:fontRef>
+          </p:style>
+        </p:cxnSp>
+        <p:cxnSp>
+          <p:nvCxnSpPr>
+            <p:cNvPr id="38" name="直接箭头连接符 37">
+              <a:extLst>
+                <a:ext uri="{FF2B5EF4-FFF2-40B4-BE49-F238E27FC236}">
+                  <a16:creationId xmlns:a16="http://schemas.microsoft.com/office/drawing/2014/main" id="{D635BC4B-DAAA-3A5D-AC6A-759875306433}"/>
+                </a:ext>
+              </a:extLst>
+            </p:cNvPr>
+            <p:cNvCxnSpPr>
+              <a:cxnSpLocks/>
+              <a:stCxn id="23" idx="2"/>
+              <a:endCxn id="5" idx="2"/>
+            </p:cNvCxnSpPr>
+            <p:nvPr/>
+          </p:nvCxnSpPr>
+          <p:spPr>
+            <a:xfrm flipH="1">
+              <a:off x="7002332" y="3585485"/>
+              <a:ext cx="1310037" cy="1888996"/>
+            </a:xfrm>
+            <a:prstGeom prst="straightConnector1">
+              <a:avLst/>
+            </a:prstGeom>
+            <a:ln>
+              <a:tailEnd type="triangle"/>
+            </a:ln>
+          </p:spPr>
+          <p:style>
+            <a:lnRef idx="1">
+              <a:schemeClr val="accent1"/>
+            </a:lnRef>
+            <a:fillRef idx="0">
+              <a:schemeClr val="accent1"/>
+            </a:fillRef>
+            <a:effectRef idx="0">
+              <a:schemeClr val="accent1"/>
+            </a:effectRef>
+            <a:fontRef idx="minor">
+              <a:schemeClr val="tx1"/>
+            </a:fontRef>
+          </p:style>
+        </p:cxnSp>
+        <p:cxnSp>
+          <p:nvCxnSpPr>
+            <p:cNvPr id="39" name="直接箭头连接符 38">
+              <a:extLst>
+                <a:ext uri="{FF2B5EF4-FFF2-40B4-BE49-F238E27FC236}">
+                  <a16:creationId xmlns:a16="http://schemas.microsoft.com/office/drawing/2014/main" id="{E2E08867-D816-0ECD-1396-0F1B44B51E14}"/>
+                </a:ext>
+              </a:extLst>
+            </p:cNvPr>
+            <p:cNvCxnSpPr>
+              <a:cxnSpLocks/>
+              <a:stCxn id="29" idx="4"/>
+              <a:endCxn id="15" idx="4"/>
+            </p:cNvCxnSpPr>
+            <p:nvPr/>
+          </p:nvCxnSpPr>
+          <p:spPr>
+            <a:xfrm flipH="1">
+              <a:off x="7473815" y="3578342"/>
+              <a:ext cx="1286223" cy="1872328"/>
+            </a:xfrm>
+            <a:prstGeom prst="straightConnector1">
+              <a:avLst/>
+            </a:prstGeom>
+            <a:ln>
+              <a:tailEnd type="triangle"/>
+            </a:ln>
+          </p:spPr>
+          <p:style>
+            <a:lnRef idx="1">
+              <a:schemeClr val="accent1"/>
+            </a:lnRef>
+            <a:fillRef idx="0">
+              <a:schemeClr val="accent1"/>
+            </a:fillRef>
+            <a:effectRef idx="0">
+              <a:schemeClr val="accent1"/>
+            </a:effectRef>
+            <a:fontRef idx="minor">
+              <a:schemeClr val="tx1"/>
+            </a:fontRef>
+          </p:style>
+        </p:cxnSp>
+        <p:cxnSp>
+          <p:nvCxnSpPr>
+            <p:cNvPr id="40" name="直接箭头连接符 39">
+              <a:extLst>
+                <a:ext uri="{FF2B5EF4-FFF2-40B4-BE49-F238E27FC236}">
+                  <a16:creationId xmlns:a16="http://schemas.microsoft.com/office/drawing/2014/main" id="{8F0300D1-543F-B931-252E-2C25742E3375}"/>
+                </a:ext>
+              </a:extLst>
+            </p:cNvPr>
+            <p:cNvCxnSpPr>
+              <a:cxnSpLocks/>
+              <a:stCxn id="23" idx="3"/>
+              <a:endCxn id="5" idx="3"/>
+            </p:cNvCxnSpPr>
+            <p:nvPr/>
+          </p:nvCxnSpPr>
+          <p:spPr>
+            <a:xfrm flipH="1">
+              <a:off x="7473819" y="3109235"/>
+              <a:ext cx="1310037" cy="1888996"/>
+            </a:xfrm>
+            <a:prstGeom prst="straightConnector1">
+              <a:avLst/>
+            </a:prstGeom>
+            <a:ln>
+              <a:tailEnd type="triangle"/>
+            </a:ln>
+          </p:spPr>
+          <p:style>
+            <a:lnRef idx="1">
+              <a:schemeClr val="accent1"/>
+            </a:lnRef>
+            <a:fillRef idx="0">
+              <a:schemeClr val="accent1"/>
+            </a:fillRef>
+            <a:effectRef idx="0">
+              <a:schemeClr val="accent1"/>
+            </a:effectRef>
+            <a:fontRef idx="minor">
+              <a:schemeClr val="tx1"/>
+            </a:fontRef>
+          </p:style>
+        </p:cxnSp>
+        <p:cxnSp>
+          <p:nvCxnSpPr>
+            <p:cNvPr id="41" name="直接箭头连接符 40">
+              <a:extLst>
+                <a:ext uri="{FF2B5EF4-FFF2-40B4-BE49-F238E27FC236}">
+                  <a16:creationId xmlns:a16="http://schemas.microsoft.com/office/drawing/2014/main" id="{4B763BF3-F860-0995-59A9-584A5F772D54}"/>
+                </a:ext>
+              </a:extLst>
+            </p:cNvPr>
+            <p:cNvCxnSpPr>
+              <a:cxnSpLocks/>
+              <a:stCxn id="27" idx="4"/>
+              <a:endCxn id="12" idx="4"/>
+            </p:cNvCxnSpPr>
+            <p:nvPr/>
+          </p:nvCxnSpPr>
+          <p:spPr>
+            <a:xfrm flipH="1">
+              <a:off x="7473817" y="2628223"/>
+              <a:ext cx="1286223" cy="1872328"/>
+            </a:xfrm>
+            <a:prstGeom prst="straightConnector1">
+              <a:avLst/>
+            </a:prstGeom>
+            <a:ln>
+              <a:tailEnd type="triangle"/>
+            </a:ln>
+          </p:spPr>
+          <p:style>
+            <a:lnRef idx="1">
+              <a:schemeClr val="accent1"/>
+            </a:lnRef>
+            <a:fillRef idx="0">
+              <a:schemeClr val="accent1"/>
+            </a:fillRef>
+            <a:effectRef idx="0">
+              <a:schemeClr val="accent1"/>
+            </a:effectRef>
+            <a:fontRef idx="minor">
+              <a:schemeClr val="tx1"/>
+            </a:fontRef>
+          </p:style>
+        </p:cxnSp>
+        <p:cxnSp>
+          <p:nvCxnSpPr>
+            <p:cNvPr id="42" name="直接箭头连接符 41">
+              <a:extLst>
+                <a:ext uri="{FF2B5EF4-FFF2-40B4-BE49-F238E27FC236}">
+                  <a16:creationId xmlns:a16="http://schemas.microsoft.com/office/drawing/2014/main" id="{E7ECC0DB-250E-137A-4150-CFE1FEC68E06}"/>
+                </a:ext>
+              </a:extLst>
+            </p:cNvPr>
+            <p:cNvCxnSpPr>
+              <a:cxnSpLocks/>
+              <a:stCxn id="23" idx="0"/>
+              <a:endCxn id="5" idx="0"/>
+            </p:cNvCxnSpPr>
+            <p:nvPr/>
+          </p:nvCxnSpPr>
+          <p:spPr>
+            <a:xfrm flipH="1">
+              <a:off x="7002332" y="2632985"/>
+              <a:ext cx="1310037" cy="1888996"/>
+            </a:xfrm>
+            <a:prstGeom prst="straightConnector1">
+              <a:avLst/>
+            </a:prstGeom>
+            <a:ln>
+              <a:tailEnd type="triangle"/>
+            </a:ln>
+          </p:spPr>
+          <p:style>
+            <a:lnRef idx="1">
+              <a:schemeClr val="accent1"/>
+            </a:lnRef>
+            <a:fillRef idx="0">
+              <a:schemeClr val="accent1"/>
+            </a:fillRef>
+            <a:effectRef idx="0">
+              <a:schemeClr val="accent1"/>
+            </a:effectRef>
+            <a:fontRef idx="minor">
+              <a:schemeClr val="tx1"/>
+            </a:fontRef>
+          </p:style>
+        </p:cxnSp>
+        <p:cxnSp>
+          <p:nvCxnSpPr>
+            <p:cNvPr id="43" name="直接箭头连接符 42">
+              <a:extLst>
+                <a:ext uri="{FF2B5EF4-FFF2-40B4-BE49-F238E27FC236}">
+                  <a16:creationId xmlns:a16="http://schemas.microsoft.com/office/drawing/2014/main" id="{78DB3C6D-6C25-65C6-F12C-9862B4507F9A}"/>
+                </a:ext>
+              </a:extLst>
+            </p:cNvPr>
+            <p:cNvCxnSpPr>
+              <a:cxnSpLocks/>
+              <a:stCxn id="16" idx="2"/>
+              <a:endCxn id="4" idx="2"/>
+            </p:cNvCxnSpPr>
+            <p:nvPr/>
+          </p:nvCxnSpPr>
+          <p:spPr>
+            <a:xfrm>
+              <a:off x="4732096" y="3680929"/>
+              <a:ext cx="1327261" cy="1793552"/>
+            </a:xfrm>
+            <a:prstGeom prst="straightConnector1">
+              <a:avLst/>
+            </a:prstGeom>
+            <a:ln>
+              <a:tailEnd type="triangle"/>
+            </a:ln>
+          </p:spPr>
+          <p:style>
+            <a:lnRef idx="1">
+              <a:schemeClr val="accent1"/>
+            </a:lnRef>
+            <a:fillRef idx="0">
+              <a:schemeClr val="accent1"/>
+            </a:fillRef>
+            <a:effectRef idx="0">
+              <a:schemeClr val="accent1"/>
+            </a:effectRef>
+            <a:fontRef idx="minor">
+              <a:schemeClr val="tx1"/>
+            </a:fontRef>
+          </p:style>
+        </p:cxnSp>
+        <p:cxnSp>
+          <p:nvCxnSpPr>
+            <p:cNvPr id="44" name="直接箭头连接符 43">
+              <a:extLst>
+                <a:ext uri="{FF2B5EF4-FFF2-40B4-BE49-F238E27FC236}">
+                  <a16:creationId xmlns:a16="http://schemas.microsoft.com/office/drawing/2014/main" id="{FD63F2ED-0085-1C19-02B9-06C01FD285FB}"/>
+                </a:ext>
+              </a:extLst>
+            </p:cNvPr>
+            <p:cNvCxnSpPr>
+              <a:cxnSpLocks/>
+              <a:stCxn id="21" idx="4"/>
+              <a:endCxn id="13" idx="4"/>
+            </p:cNvCxnSpPr>
+            <p:nvPr/>
+          </p:nvCxnSpPr>
+          <p:spPr>
+            <a:xfrm>
+              <a:off x="4260604" y="3688073"/>
+              <a:ext cx="1327261" cy="1793552"/>
+            </a:xfrm>
+            <a:prstGeom prst="straightConnector1">
+              <a:avLst/>
+            </a:prstGeom>
+            <a:ln>
+              <a:tailEnd type="triangle"/>
+            </a:ln>
+          </p:spPr>
+          <p:style>
+            <a:lnRef idx="1">
+              <a:schemeClr val="accent1"/>
+            </a:lnRef>
+            <a:fillRef idx="0">
+              <a:schemeClr val="accent1"/>
+            </a:fillRef>
+            <a:effectRef idx="0">
+              <a:schemeClr val="accent1"/>
+            </a:effectRef>
+            <a:fontRef idx="minor">
+              <a:schemeClr val="tx1"/>
+            </a:fontRef>
+          </p:style>
+        </p:cxnSp>
+        <p:cxnSp>
+          <p:nvCxnSpPr>
+            <p:cNvPr id="45" name="直接箭头连接符 44">
+              <a:extLst>
+                <a:ext uri="{FF2B5EF4-FFF2-40B4-BE49-F238E27FC236}">
+                  <a16:creationId xmlns:a16="http://schemas.microsoft.com/office/drawing/2014/main" id="{07B60043-0FF9-1562-6562-19C1E87E9135}"/>
+                </a:ext>
+              </a:extLst>
+            </p:cNvPr>
+            <p:cNvCxnSpPr>
+              <a:cxnSpLocks/>
+              <a:stCxn id="16" idx="0"/>
+              <a:endCxn id="4" idx="0"/>
+            </p:cNvCxnSpPr>
+            <p:nvPr/>
+          </p:nvCxnSpPr>
+          <p:spPr>
+            <a:xfrm>
+              <a:off x="4732096" y="2728429"/>
+              <a:ext cx="1327261" cy="1793552"/>
+            </a:xfrm>
+            <a:prstGeom prst="straightConnector1">
+              <a:avLst/>
+            </a:prstGeom>
+            <a:ln>
+              <a:tailEnd type="triangle"/>
+            </a:ln>
+          </p:spPr>
+          <p:style>
+            <a:lnRef idx="1">
+              <a:schemeClr val="accent1"/>
+            </a:lnRef>
+            <a:fillRef idx="0">
+              <a:schemeClr val="accent1"/>
+            </a:fillRef>
+            <a:effectRef idx="0">
+              <a:schemeClr val="accent1"/>
+            </a:effectRef>
+            <a:fontRef idx="minor">
+              <a:schemeClr val="tx1"/>
+            </a:fontRef>
+          </p:style>
+        </p:cxnSp>
+      </p:grpSp>
+    </p:spTree>
+    <p:extLst>
+      <p:ext uri="{BB962C8B-B14F-4D97-AF65-F5344CB8AC3E}">
+        <p14:creationId xmlns:p14="http://schemas.microsoft.com/office/powerpoint/2010/main" val="2153970556"/>
       </p:ext>
     </p:extLst>
   </p:cSld>
@@ -3842,13 +8023,13 @@
   <p:clrMapOvr>
     <a:masterClrMapping/>
   </p:clrMapOvr>
-  <mc:AlternateContent xmlns:mc="http://schemas.openxmlformats.org/markup-compatibility/2006">
-    <mc:Choice xmlns:p159="http://schemas.microsoft.com/office/powerpoint/2015/09/main" Requires="p159">
+  <mc:AlternateContent xmlns:mc="http://schemas.openxmlformats.org/markup-compatibility/2006" xmlns:p159="http://schemas.microsoft.com/office/powerpoint/2015/09/main">
+    <mc:Choice Requires="p159">
       <p:transition>
         <p159:morph option="byObject"/>
       </p:transition>
     </mc:Choice>
-    <mc:Fallback>
+    <mc:Fallback xmlns="">
       <p:transition>
         <p:fade/>
       </p:transition>
@@ -4051,13 +8232,13 @@
   <p:clrMapOvr>
     <a:masterClrMapping/>
   </p:clrMapOvr>
-  <mc:AlternateContent xmlns:mc="http://schemas.openxmlformats.org/markup-compatibility/2006">
-    <mc:Choice xmlns:p159="http://schemas.microsoft.com/office/powerpoint/2015/09/main" Requires="p159">
+  <mc:AlternateContent xmlns:mc="http://schemas.openxmlformats.org/markup-compatibility/2006" xmlns:p159="http://schemas.microsoft.com/office/powerpoint/2015/09/main">
+    <mc:Choice Requires="p159">
       <p:transition>
         <p159:morph option="byObject"/>
       </p:transition>
     </mc:Choice>
-    <mc:Fallback>
+    <mc:Fallback xmlns="">
       <p:transition>
         <p:fade/>
       </p:transition>
@@ -4321,13 +8502,13 @@
   <p:clrMapOvr>
     <a:masterClrMapping/>
   </p:clrMapOvr>
-  <mc:AlternateContent xmlns:mc="http://schemas.openxmlformats.org/markup-compatibility/2006">
-    <mc:Choice xmlns:p159="http://schemas.microsoft.com/office/powerpoint/2015/09/main" Requires="p159">
+  <mc:AlternateContent xmlns:mc="http://schemas.openxmlformats.org/markup-compatibility/2006" xmlns:p159="http://schemas.microsoft.com/office/powerpoint/2015/09/main">
+    <mc:Choice Requires="p159">
       <p:transition>
         <p159:morph option="byObject"/>
       </p:transition>
     </mc:Choice>
-    <mc:Fallback>
+    <mc:Fallback xmlns="">
       <p:transition>
         <p:fade/>
       </p:transition>
